--- a/docs/应用建模.pptx
+++ b/docs/应用建模.pptx
@@ -8,20 +8,20 @@
     <p:notesMasterId r:id="rId18"/>
   </p:notesMasterIdLst>
   <p:sldIdLst>
-    <p:sldId id="259" r:id="rId2"/>
-    <p:sldId id="272" r:id="rId3"/>
-    <p:sldId id="273" r:id="rId4"/>
-    <p:sldId id="274" r:id="rId5"/>
-    <p:sldId id="275" r:id="rId6"/>
-    <p:sldId id="276" r:id="rId7"/>
-    <p:sldId id="277" r:id="rId8"/>
-    <p:sldId id="264" r:id="rId9"/>
-    <p:sldId id="265" r:id="rId10"/>
-    <p:sldId id="266" r:id="rId11"/>
-    <p:sldId id="271" r:id="rId12"/>
-    <p:sldId id="261" r:id="rId13"/>
-    <p:sldId id="260" r:id="rId14"/>
-    <p:sldId id="262" r:id="rId15"/>
+    <p:sldId id="279" r:id="rId2"/>
+    <p:sldId id="280" r:id="rId3"/>
+    <p:sldId id="281" r:id="rId4"/>
+    <p:sldId id="282" r:id="rId5"/>
+    <p:sldId id="283" r:id="rId6"/>
+    <p:sldId id="284" r:id="rId7"/>
+    <p:sldId id="285" r:id="rId8"/>
+    <p:sldId id="286" r:id="rId9"/>
+    <p:sldId id="287" r:id="rId10"/>
+    <p:sldId id="288" r:id="rId11"/>
+    <p:sldId id="289" r:id="rId12"/>
+    <p:sldId id="290" r:id="rId13"/>
+    <p:sldId id="291" r:id="rId14"/>
+    <p:sldId id="292" r:id="rId15"/>
     <p:sldId id="263" r:id="rId16"/>
     <p:sldId id="278" r:id="rId17"/>
   </p:sldIdLst>
@@ -130,6 +130,10 @@
 </p:presentation>
 </file>
 
+<file path=ppt/revisionInfo.xml><?xml version="1.0" encoding="utf-8"?>
+<p1510:revInfo xmlns:a="http://schemas.openxmlformats.org/drawingml/2006/main" xmlns:r="http://schemas.openxmlformats.org/officeDocument/2006/relationships" xmlns:p1510="http://schemas.microsoft.com/office/powerpoint/2015/10/main"/>
+</file>
+
 <file path=ppt/notesMasters/notesMaster1.xml><?xml version="1.0" encoding="utf-8"?>
 <p:notesMaster xmlns:a="http://schemas.openxmlformats.org/drawingml/2006/main" xmlns:r="http://schemas.openxmlformats.org/officeDocument/2006/relationships" xmlns:p="http://schemas.openxmlformats.org/presentationml/2006/main">
   <p:cSld>
@@ -276,38 +280,37 @@
           <a:p>
             <a:pPr lvl="0"/>
             <a:r>
-              <a:rPr kumimoji="1" lang="zh-CN" altLang="en-US" smtClean="0"/>
+              <a:rPr kumimoji="1" lang="zh-CN" altLang="en-US"/>
               <a:t>单击此处编辑母版文本样式</a:t>
             </a:r>
           </a:p>
           <a:p>
             <a:pPr lvl="1"/>
             <a:r>
-              <a:rPr kumimoji="1" lang="zh-CN" altLang="en-US" smtClean="0"/>
+              <a:rPr kumimoji="1" lang="zh-CN" altLang="en-US"/>
               <a:t>二级</a:t>
             </a:r>
           </a:p>
           <a:p>
             <a:pPr lvl="2"/>
             <a:r>
-              <a:rPr kumimoji="1" lang="zh-CN" altLang="en-US" smtClean="0"/>
+              <a:rPr kumimoji="1" lang="zh-CN" altLang="en-US"/>
               <a:t>三级</a:t>
             </a:r>
           </a:p>
           <a:p>
             <a:pPr lvl="3"/>
             <a:r>
-              <a:rPr kumimoji="1" lang="zh-CN" altLang="en-US" smtClean="0"/>
+              <a:rPr kumimoji="1" lang="zh-CN" altLang="en-US"/>
               <a:t>四级</a:t>
             </a:r>
           </a:p>
           <a:p>
             <a:pPr lvl="4"/>
             <a:r>
-              <a:rPr kumimoji="1" lang="zh-CN" altLang="en-US" smtClean="0"/>
+              <a:rPr kumimoji="1" lang="zh-CN" altLang="en-US"/>
               <a:t>五级</a:t>
             </a:r>
-            <a:endParaRPr kumimoji="1" lang="zh-CN" altLang="en-US"/>
           </a:p>
         </p:txBody>
       </p:sp>
@@ -1188,1200 +1191,6 @@
 </p:sldLayout>
 </file>
 
-<file path=ppt/slideLayouts/slideLayout13.xml><?xml version="1.0" encoding="utf-8"?>
-<p:sldLayout xmlns:a="http://schemas.openxmlformats.org/drawingml/2006/main" xmlns:r="http://schemas.openxmlformats.org/officeDocument/2006/relationships" xmlns:p="http://schemas.openxmlformats.org/presentationml/2006/main" userDrawn="1">
-  <p:cSld name="2_标题幻灯片">
-    <p:spTree>
-      <p:nvGrpSpPr>
-        <p:cNvPr id="1" name=""/>
-        <p:cNvGrpSpPr/>
-        <p:nvPr/>
-      </p:nvGrpSpPr>
-      <p:grpSpPr>
-        <a:xfrm>
-          <a:off x="0" y="0"/>
-          <a:ext cx="0" cy="0"/>
-          <a:chOff x="0" y="0"/>
-          <a:chExt cx="0" cy="0"/>
-        </a:xfrm>
-      </p:grpSpPr>
-      <p:sp>
-        <p:nvSpPr>
-          <p:cNvPr id="4" name="日期占位符 3"/>
-          <p:cNvSpPr>
-            <a:spLocks noGrp="1"/>
-          </p:cNvSpPr>
-          <p:nvPr>
-            <p:ph type="dt" sz="half" idx="10"/>
-          </p:nvPr>
-        </p:nvSpPr>
-        <p:spPr/>
-        <p:txBody>
-          <a:bodyPr/>
-          <a:lstStyle/>
-          <a:p>
-            <a:fld id="{171BBD79-73BD-4FCC-A131-912D061EF751}" type="datetimeFigureOut">
-              <a:rPr lang="zh-CN" altLang="en-US" smtClean="0"/>
-              <a:t>2017/5/22</a:t>
-            </a:fld>
-            <a:endParaRPr lang="zh-CN" altLang="en-US"/>
-          </a:p>
-        </p:txBody>
-      </p:sp>
-      <p:sp>
-        <p:nvSpPr>
-          <p:cNvPr id="5" name="页脚占位符 4"/>
-          <p:cNvSpPr>
-            <a:spLocks noGrp="1"/>
-          </p:cNvSpPr>
-          <p:nvPr>
-            <p:ph type="ftr" sz="quarter" idx="11"/>
-          </p:nvPr>
-        </p:nvSpPr>
-        <p:spPr/>
-        <p:txBody>
-          <a:bodyPr/>
-          <a:lstStyle/>
-          <a:p>
-            <a:endParaRPr lang="zh-CN" altLang="en-US"/>
-          </a:p>
-        </p:txBody>
-      </p:sp>
-      <p:sp>
-        <p:nvSpPr>
-          <p:cNvPr id="6" name="灯片编号占位符 5"/>
-          <p:cNvSpPr>
-            <a:spLocks noGrp="1"/>
-          </p:cNvSpPr>
-          <p:nvPr>
-            <p:ph type="sldNum" sz="quarter" idx="12"/>
-          </p:nvPr>
-        </p:nvSpPr>
-        <p:spPr/>
-        <p:txBody>
-          <a:bodyPr/>
-          <a:lstStyle/>
-          <a:p>
-            <a:fld id="{09A119BB-CB53-4D13-A1E9-626B81BB36FF}" type="slidenum">
-              <a:rPr lang="zh-CN" altLang="en-US" smtClean="0"/>
-              <a:t>‹#›</a:t>
-            </a:fld>
-            <a:endParaRPr lang="zh-CN" altLang="en-US"/>
-          </a:p>
-        </p:txBody>
-      </p:sp>
-      <p:sp>
-        <p:nvSpPr>
-          <p:cNvPr id="7" name="矩形 6"/>
-          <p:cNvSpPr/>
-          <p:nvPr userDrawn="1"/>
-        </p:nvSpPr>
-        <p:spPr>
-          <a:xfrm>
-            <a:off x="0" y="0"/>
-            <a:ext cx="12192000" cy="6858000"/>
-          </a:xfrm>
-          <a:prstGeom prst="rect">
-            <a:avLst/>
-          </a:prstGeom>
-          <a:solidFill>
-            <a:srgbClr val="223054"/>
-          </a:solidFill>
-          <a:ln>
-            <a:solidFill>
-              <a:srgbClr val="223054"/>
-            </a:solidFill>
-          </a:ln>
-        </p:spPr>
-        <p:style>
-          <a:lnRef idx="2">
-            <a:schemeClr val="accent1">
-              <a:shade val="50000"/>
-            </a:schemeClr>
-          </a:lnRef>
-          <a:fillRef idx="1">
-            <a:schemeClr val="accent1"/>
-          </a:fillRef>
-          <a:effectRef idx="0">
-            <a:schemeClr val="accent1"/>
-          </a:effectRef>
-          <a:fontRef idx="minor">
-            <a:schemeClr val="lt1"/>
-          </a:fontRef>
-        </p:style>
-        <p:txBody>
-          <a:bodyPr rtlCol="0" anchor="ctr"/>
-          <a:lstStyle/>
-          <a:p>
-            <a:pPr algn="ctr"/>
-            <a:endParaRPr lang="zh-CN" altLang="en-US"/>
-          </a:p>
-        </p:txBody>
-      </p:sp>
-      <p:sp>
-        <p:nvSpPr>
-          <p:cNvPr id="8" name="椭圆 7"/>
-          <p:cNvSpPr/>
-          <p:nvPr userDrawn="1"/>
-        </p:nvSpPr>
-        <p:spPr>
-          <a:xfrm>
-            <a:off x="1600201" y="5272088"/>
-            <a:ext cx="971551" cy="971550"/>
-          </a:xfrm>
-          <a:prstGeom prst="ellipse">
-            <a:avLst/>
-          </a:prstGeom>
-          <a:solidFill>
-            <a:srgbClr val="223054"/>
-          </a:solidFill>
-          <a:ln>
-            <a:noFill/>
-          </a:ln>
-        </p:spPr>
-        <p:style>
-          <a:lnRef idx="2">
-            <a:schemeClr val="accent1">
-              <a:shade val="50000"/>
-            </a:schemeClr>
-          </a:lnRef>
-          <a:fillRef idx="1">
-            <a:schemeClr val="accent1"/>
-          </a:fillRef>
-          <a:effectRef idx="0">
-            <a:schemeClr val="accent1"/>
-          </a:effectRef>
-          <a:fontRef idx="minor">
-            <a:schemeClr val="lt1"/>
-          </a:fontRef>
-        </p:style>
-        <p:txBody>
-          <a:bodyPr rtlCol="0" anchor="ctr"/>
-          <a:lstStyle/>
-          <a:p>
-            <a:pPr algn="ctr"/>
-            <a:endParaRPr lang="zh-CN" altLang="en-US"/>
-          </a:p>
-        </p:txBody>
-      </p:sp>
-    </p:spTree>
-    <p:extLst>
-      <p:ext uri="{BB962C8B-B14F-4D97-AF65-F5344CB8AC3E}">
-        <p14:creationId xmlns:p14="http://schemas.microsoft.com/office/powerpoint/2010/main" val="1524038531"/>
-      </p:ext>
-    </p:extLst>
-  </p:cSld>
-  <p:clrMapOvr>
-    <a:masterClrMapping/>
-  </p:clrMapOvr>
-  <p:transition spd="slow">
-    <p:wipe/>
-  </p:transition>
-  <p:timing>
-    <p:tnLst>
-      <p:par>
-        <p:cTn id="1" dur="indefinite" restart="never" nodeType="tmRoot"/>
-      </p:par>
-    </p:tnLst>
-  </p:timing>
-</p:sldLayout>
-</file>
-
-<file path=ppt/slideLayouts/slideLayout14.xml><?xml version="1.0" encoding="utf-8"?>
-<p:sldLayout xmlns:a="http://schemas.openxmlformats.org/drawingml/2006/main" xmlns:r="http://schemas.openxmlformats.org/officeDocument/2006/relationships" xmlns:p="http://schemas.openxmlformats.org/presentationml/2006/main" userDrawn="1">
-  <p:cSld name="3_标题幻灯片">
-    <p:spTree>
-      <p:nvGrpSpPr>
-        <p:cNvPr id="1" name=""/>
-        <p:cNvGrpSpPr/>
-        <p:nvPr/>
-      </p:nvGrpSpPr>
-      <p:grpSpPr>
-        <a:xfrm>
-          <a:off x="0" y="0"/>
-          <a:ext cx="0" cy="0"/>
-          <a:chOff x="0" y="0"/>
-          <a:chExt cx="0" cy="0"/>
-        </a:xfrm>
-      </p:grpSpPr>
-      <p:sp>
-        <p:nvSpPr>
-          <p:cNvPr id="4" name="日期占位符 3"/>
-          <p:cNvSpPr>
-            <a:spLocks noGrp="1"/>
-          </p:cNvSpPr>
-          <p:nvPr>
-            <p:ph type="dt" sz="half" idx="10"/>
-          </p:nvPr>
-        </p:nvSpPr>
-        <p:spPr/>
-        <p:txBody>
-          <a:bodyPr/>
-          <a:lstStyle/>
-          <a:p>
-            <a:fld id="{171BBD79-73BD-4FCC-A131-912D061EF751}" type="datetimeFigureOut">
-              <a:rPr lang="zh-CN" altLang="en-US" smtClean="0"/>
-              <a:t>2017/5/22</a:t>
-            </a:fld>
-            <a:endParaRPr lang="zh-CN" altLang="en-US"/>
-          </a:p>
-        </p:txBody>
-      </p:sp>
-      <p:sp>
-        <p:nvSpPr>
-          <p:cNvPr id="5" name="页脚占位符 4"/>
-          <p:cNvSpPr>
-            <a:spLocks noGrp="1"/>
-          </p:cNvSpPr>
-          <p:nvPr>
-            <p:ph type="ftr" sz="quarter" idx="11"/>
-          </p:nvPr>
-        </p:nvSpPr>
-        <p:spPr/>
-        <p:txBody>
-          <a:bodyPr/>
-          <a:lstStyle/>
-          <a:p>
-            <a:endParaRPr lang="zh-CN" altLang="en-US"/>
-          </a:p>
-        </p:txBody>
-      </p:sp>
-      <p:sp>
-        <p:nvSpPr>
-          <p:cNvPr id="6" name="灯片编号占位符 5"/>
-          <p:cNvSpPr>
-            <a:spLocks noGrp="1"/>
-          </p:cNvSpPr>
-          <p:nvPr>
-            <p:ph type="sldNum" sz="quarter" idx="12"/>
-          </p:nvPr>
-        </p:nvSpPr>
-        <p:spPr/>
-        <p:txBody>
-          <a:bodyPr/>
-          <a:lstStyle/>
-          <a:p>
-            <a:fld id="{09A119BB-CB53-4D13-A1E9-626B81BB36FF}" type="slidenum">
-              <a:rPr lang="zh-CN" altLang="en-US" smtClean="0"/>
-              <a:t>‹#›</a:t>
-            </a:fld>
-            <a:endParaRPr lang="zh-CN" altLang="en-US"/>
-          </a:p>
-        </p:txBody>
-      </p:sp>
-      <p:sp>
-        <p:nvSpPr>
-          <p:cNvPr id="7" name="矩形 6"/>
-          <p:cNvSpPr/>
-          <p:nvPr userDrawn="1"/>
-        </p:nvSpPr>
-        <p:spPr>
-          <a:xfrm>
-            <a:off x="0" y="0"/>
-            <a:ext cx="12192000" cy="6858000"/>
-          </a:xfrm>
-          <a:prstGeom prst="rect">
-            <a:avLst/>
-          </a:prstGeom>
-          <a:solidFill>
-            <a:srgbClr val="223054"/>
-          </a:solidFill>
-          <a:ln>
-            <a:solidFill>
-              <a:srgbClr val="223054"/>
-            </a:solidFill>
-          </a:ln>
-        </p:spPr>
-        <p:style>
-          <a:lnRef idx="2">
-            <a:schemeClr val="accent1">
-              <a:shade val="50000"/>
-            </a:schemeClr>
-          </a:lnRef>
-          <a:fillRef idx="1">
-            <a:schemeClr val="accent1"/>
-          </a:fillRef>
-          <a:effectRef idx="0">
-            <a:schemeClr val="accent1"/>
-          </a:effectRef>
-          <a:fontRef idx="minor">
-            <a:schemeClr val="lt1"/>
-          </a:fontRef>
-        </p:style>
-        <p:txBody>
-          <a:bodyPr rtlCol="0" anchor="ctr"/>
-          <a:lstStyle/>
-          <a:p>
-            <a:pPr algn="ctr"/>
-            <a:endParaRPr lang="zh-CN" altLang="en-US"/>
-          </a:p>
-        </p:txBody>
-      </p:sp>
-      <p:sp>
-        <p:nvSpPr>
-          <p:cNvPr id="8" name="椭圆 7"/>
-          <p:cNvSpPr/>
-          <p:nvPr userDrawn="1"/>
-        </p:nvSpPr>
-        <p:spPr>
-          <a:xfrm>
-            <a:off x="1600201" y="5272088"/>
-            <a:ext cx="971551" cy="971550"/>
-          </a:xfrm>
-          <a:prstGeom prst="ellipse">
-            <a:avLst/>
-          </a:prstGeom>
-          <a:solidFill>
-            <a:srgbClr val="223054"/>
-          </a:solidFill>
-          <a:ln>
-            <a:noFill/>
-          </a:ln>
-        </p:spPr>
-        <p:style>
-          <a:lnRef idx="2">
-            <a:schemeClr val="accent1">
-              <a:shade val="50000"/>
-            </a:schemeClr>
-          </a:lnRef>
-          <a:fillRef idx="1">
-            <a:schemeClr val="accent1"/>
-          </a:fillRef>
-          <a:effectRef idx="0">
-            <a:schemeClr val="accent1"/>
-          </a:effectRef>
-          <a:fontRef idx="minor">
-            <a:schemeClr val="lt1"/>
-          </a:fontRef>
-        </p:style>
-        <p:txBody>
-          <a:bodyPr rtlCol="0" anchor="ctr"/>
-          <a:lstStyle/>
-          <a:p>
-            <a:pPr algn="ctr"/>
-            <a:endParaRPr lang="zh-CN" altLang="en-US"/>
-          </a:p>
-        </p:txBody>
-      </p:sp>
-    </p:spTree>
-    <p:extLst>
-      <p:ext uri="{BB962C8B-B14F-4D97-AF65-F5344CB8AC3E}">
-        <p14:creationId xmlns:p14="http://schemas.microsoft.com/office/powerpoint/2010/main" val="1360191691"/>
-      </p:ext>
-    </p:extLst>
-  </p:cSld>
-  <p:clrMapOvr>
-    <a:masterClrMapping/>
-  </p:clrMapOvr>
-  <p:transition spd="slow">
-    <p:wipe/>
-  </p:transition>
-  <p:timing>
-    <p:tnLst>
-      <p:par>
-        <p:cTn id="1" dur="indefinite" restart="never" nodeType="tmRoot"/>
-      </p:par>
-    </p:tnLst>
-  </p:timing>
-</p:sldLayout>
-</file>
-
-<file path=ppt/slideLayouts/slideLayout15.xml><?xml version="1.0" encoding="utf-8"?>
-<p:sldLayout xmlns:a="http://schemas.openxmlformats.org/drawingml/2006/main" xmlns:r="http://schemas.openxmlformats.org/officeDocument/2006/relationships" xmlns:p="http://schemas.openxmlformats.org/presentationml/2006/main" userDrawn="1">
-  <p:cSld name="4_标题幻灯片">
-    <p:spTree>
-      <p:nvGrpSpPr>
-        <p:cNvPr id="1" name=""/>
-        <p:cNvGrpSpPr/>
-        <p:nvPr/>
-      </p:nvGrpSpPr>
-      <p:grpSpPr>
-        <a:xfrm>
-          <a:off x="0" y="0"/>
-          <a:ext cx="0" cy="0"/>
-          <a:chOff x="0" y="0"/>
-          <a:chExt cx="0" cy="0"/>
-        </a:xfrm>
-      </p:grpSpPr>
-      <p:sp>
-        <p:nvSpPr>
-          <p:cNvPr id="4" name="日期占位符 3"/>
-          <p:cNvSpPr>
-            <a:spLocks noGrp="1"/>
-          </p:cNvSpPr>
-          <p:nvPr>
-            <p:ph type="dt" sz="half" idx="10"/>
-          </p:nvPr>
-        </p:nvSpPr>
-        <p:spPr/>
-        <p:txBody>
-          <a:bodyPr/>
-          <a:lstStyle/>
-          <a:p>
-            <a:fld id="{171BBD79-73BD-4FCC-A131-912D061EF751}" type="datetimeFigureOut">
-              <a:rPr lang="zh-CN" altLang="en-US" smtClean="0"/>
-              <a:t>2017/5/22</a:t>
-            </a:fld>
-            <a:endParaRPr lang="zh-CN" altLang="en-US"/>
-          </a:p>
-        </p:txBody>
-      </p:sp>
-      <p:sp>
-        <p:nvSpPr>
-          <p:cNvPr id="5" name="页脚占位符 4"/>
-          <p:cNvSpPr>
-            <a:spLocks noGrp="1"/>
-          </p:cNvSpPr>
-          <p:nvPr>
-            <p:ph type="ftr" sz="quarter" idx="11"/>
-          </p:nvPr>
-        </p:nvSpPr>
-        <p:spPr/>
-        <p:txBody>
-          <a:bodyPr/>
-          <a:lstStyle/>
-          <a:p>
-            <a:endParaRPr lang="zh-CN" altLang="en-US"/>
-          </a:p>
-        </p:txBody>
-      </p:sp>
-      <p:sp>
-        <p:nvSpPr>
-          <p:cNvPr id="6" name="灯片编号占位符 5"/>
-          <p:cNvSpPr>
-            <a:spLocks noGrp="1"/>
-          </p:cNvSpPr>
-          <p:nvPr>
-            <p:ph type="sldNum" sz="quarter" idx="12"/>
-          </p:nvPr>
-        </p:nvSpPr>
-        <p:spPr/>
-        <p:txBody>
-          <a:bodyPr/>
-          <a:lstStyle/>
-          <a:p>
-            <a:fld id="{09A119BB-CB53-4D13-A1E9-626B81BB36FF}" type="slidenum">
-              <a:rPr lang="zh-CN" altLang="en-US" smtClean="0"/>
-              <a:t>‹#›</a:t>
-            </a:fld>
-            <a:endParaRPr lang="zh-CN" altLang="en-US"/>
-          </a:p>
-        </p:txBody>
-      </p:sp>
-      <p:sp>
-        <p:nvSpPr>
-          <p:cNvPr id="7" name="矩形 6"/>
-          <p:cNvSpPr/>
-          <p:nvPr userDrawn="1"/>
-        </p:nvSpPr>
-        <p:spPr>
-          <a:xfrm>
-            <a:off x="0" y="0"/>
-            <a:ext cx="12192000" cy="6858000"/>
-          </a:xfrm>
-          <a:prstGeom prst="rect">
-            <a:avLst/>
-          </a:prstGeom>
-          <a:solidFill>
-            <a:srgbClr val="223054"/>
-          </a:solidFill>
-          <a:ln>
-            <a:solidFill>
-              <a:srgbClr val="223054"/>
-            </a:solidFill>
-          </a:ln>
-        </p:spPr>
-        <p:style>
-          <a:lnRef idx="2">
-            <a:schemeClr val="accent1">
-              <a:shade val="50000"/>
-            </a:schemeClr>
-          </a:lnRef>
-          <a:fillRef idx="1">
-            <a:schemeClr val="accent1"/>
-          </a:fillRef>
-          <a:effectRef idx="0">
-            <a:schemeClr val="accent1"/>
-          </a:effectRef>
-          <a:fontRef idx="minor">
-            <a:schemeClr val="lt1"/>
-          </a:fontRef>
-        </p:style>
-        <p:txBody>
-          <a:bodyPr rtlCol="0" anchor="ctr"/>
-          <a:lstStyle/>
-          <a:p>
-            <a:pPr algn="ctr"/>
-            <a:endParaRPr lang="zh-CN" altLang="en-US"/>
-          </a:p>
-        </p:txBody>
-      </p:sp>
-      <p:sp>
-        <p:nvSpPr>
-          <p:cNvPr id="8" name="椭圆 7"/>
-          <p:cNvSpPr/>
-          <p:nvPr userDrawn="1"/>
-        </p:nvSpPr>
-        <p:spPr>
-          <a:xfrm>
-            <a:off x="1600201" y="5272088"/>
-            <a:ext cx="971551" cy="971550"/>
-          </a:xfrm>
-          <a:prstGeom prst="ellipse">
-            <a:avLst/>
-          </a:prstGeom>
-          <a:solidFill>
-            <a:srgbClr val="223054"/>
-          </a:solidFill>
-          <a:ln>
-            <a:noFill/>
-          </a:ln>
-        </p:spPr>
-        <p:style>
-          <a:lnRef idx="2">
-            <a:schemeClr val="accent1">
-              <a:shade val="50000"/>
-            </a:schemeClr>
-          </a:lnRef>
-          <a:fillRef idx="1">
-            <a:schemeClr val="accent1"/>
-          </a:fillRef>
-          <a:effectRef idx="0">
-            <a:schemeClr val="accent1"/>
-          </a:effectRef>
-          <a:fontRef idx="minor">
-            <a:schemeClr val="lt1"/>
-          </a:fontRef>
-        </p:style>
-        <p:txBody>
-          <a:bodyPr rtlCol="0" anchor="ctr"/>
-          <a:lstStyle/>
-          <a:p>
-            <a:pPr algn="ctr"/>
-            <a:endParaRPr lang="zh-CN" altLang="en-US"/>
-          </a:p>
-        </p:txBody>
-      </p:sp>
-    </p:spTree>
-    <p:extLst>
-      <p:ext uri="{BB962C8B-B14F-4D97-AF65-F5344CB8AC3E}">
-        <p14:creationId xmlns:p14="http://schemas.microsoft.com/office/powerpoint/2010/main" val="4006130900"/>
-      </p:ext>
-    </p:extLst>
-  </p:cSld>
-  <p:clrMapOvr>
-    <a:masterClrMapping/>
-  </p:clrMapOvr>
-  <p:transition spd="slow">
-    <p:wipe/>
-  </p:transition>
-  <p:timing>
-    <p:tnLst>
-      <p:par>
-        <p:cTn id="1" dur="indefinite" restart="never" nodeType="tmRoot"/>
-      </p:par>
-    </p:tnLst>
-  </p:timing>
-</p:sldLayout>
-</file>
-
-<file path=ppt/slideLayouts/slideLayout16.xml><?xml version="1.0" encoding="utf-8"?>
-<p:sldLayout xmlns:a="http://schemas.openxmlformats.org/drawingml/2006/main" xmlns:r="http://schemas.openxmlformats.org/officeDocument/2006/relationships" xmlns:p="http://schemas.openxmlformats.org/presentationml/2006/main" userDrawn="1">
-  <p:cSld name="5_标题幻灯片">
-    <p:spTree>
-      <p:nvGrpSpPr>
-        <p:cNvPr id="1" name=""/>
-        <p:cNvGrpSpPr/>
-        <p:nvPr/>
-      </p:nvGrpSpPr>
-      <p:grpSpPr>
-        <a:xfrm>
-          <a:off x="0" y="0"/>
-          <a:ext cx="0" cy="0"/>
-          <a:chOff x="0" y="0"/>
-          <a:chExt cx="0" cy="0"/>
-        </a:xfrm>
-      </p:grpSpPr>
-      <p:sp>
-        <p:nvSpPr>
-          <p:cNvPr id="4" name="日期占位符 3"/>
-          <p:cNvSpPr>
-            <a:spLocks noGrp="1"/>
-          </p:cNvSpPr>
-          <p:nvPr>
-            <p:ph type="dt" sz="half" idx="10"/>
-          </p:nvPr>
-        </p:nvSpPr>
-        <p:spPr/>
-        <p:txBody>
-          <a:bodyPr/>
-          <a:lstStyle/>
-          <a:p>
-            <a:fld id="{171BBD79-73BD-4FCC-A131-912D061EF751}" type="datetimeFigureOut">
-              <a:rPr lang="zh-CN" altLang="en-US" smtClean="0"/>
-              <a:t>2017/5/22</a:t>
-            </a:fld>
-            <a:endParaRPr lang="zh-CN" altLang="en-US"/>
-          </a:p>
-        </p:txBody>
-      </p:sp>
-      <p:sp>
-        <p:nvSpPr>
-          <p:cNvPr id="5" name="页脚占位符 4"/>
-          <p:cNvSpPr>
-            <a:spLocks noGrp="1"/>
-          </p:cNvSpPr>
-          <p:nvPr>
-            <p:ph type="ftr" sz="quarter" idx="11"/>
-          </p:nvPr>
-        </p:nvSpPr>
-        <p:spPr/>
-        <p:txBody>
-          <a:bodyPr/>
-          <a:lstStyle/>
-          <a:p>
-            <a:endParaRPr lang="zh-CN" altLang="en-US"/>
-          </a:p>
-        </p:txBody>
-      </p:sp>
-      <p:sp>
-        <p:nvSpPr>
-          <p:cNvPr id="6" name="灯片编号占位符 5"/>
-          <p:cNvSpPr>
-            <a:spLocks noGrp="1"/>
-          </p:cNvSpPr>
-          <p:nvPr>
-            <p:ph type="sldNum" sz="quarter" idx="12"/>
-          </p:nvPr>
-        </p:nvSpPr>
-        <p:spPr/>
-        <p:txBody>
-          <a:bodyPr/>
-          <a:lstStyle/>
-          <a:p>
-            <a:fld id="{09A119BB-CB53-4D13-A1E9-626B81BB36FF}" type="slidenum">
-              <a:rPr lang="zh-CN" altLang="en-US" smtClean="0"/>
-              <a:t>‹#›</a:t>
-            </a:fld>
-            <a:endParaRPr lang="zh-CN" altLang="en-US"/>
-          </a:p>
-        </p:txBody>
-      </p:sp>
-      <p:sp>
-        <p:nvSpPr>
-          <p:cNvPr id="7" name="矩形 6"/>
-          <p:cNvSpPr/>
-          <p:nvPr userDrawn="1"/>
-        </p:nvSpPr>
-        <p:spPr>
-          <a:xfrm>
-            <a:off x="0" y="0"/>
-            <a:ext cx="12192000" cy="6858000"/>
-          </a:xfrm>
-          <a:prstGeom prst="rect">
-            <a:avLst/>
-          </a:prstGeom>
-          <a:solidFill>
-            <a:srgbClr val="223054"/>
-          </a:solidFill>
-          <a:ln>
-            <a:solidFill>
-              <a:srgbClr val="223054"/>
-            </a:solidFill>
-          </a:ln>
-        </p:spPr>
-        <p:style>
-          <a:lnRef idx="2">
-            <a:schemeClr val="accent1">
-              <a:shade val="50000"/>
-            </a:schemeClr>
-          </a:lnRef>
-          <a:fillRef idx="1">
-            <a:schemeClr val="accent1"/>
-          </a:fillRef>
-          <a:effectRef idx="0">
-            <a:schemeClr val="accent1"/>
-          </a:effectRef>
-          <a:fontRef idx="minor">
-            <a:schemeClr val="lt1"/>
-          </a:fontRef>
-        </p:style>
-        <p:txBody>
-          <a:bodyPr rtlCol="0" anchor="ctr"/>
-          <a:lstStyle/>
-          <a:p>
-            <a:pPr algn="ctr"/>
-            <a:endParaRPr lang="zh-CN" altLang="en-US"/>
-          </a:p>
-        </p:txBody>
-      </p:sp>
-      <p:sp>
-        <p:nvSpPr>
-          <p:cNvPr id="8" name="椭圆 7"/>
-          <p:cNvSpPr/>
-          <p:nvPr userDrawn="1"/>
-        </p:nvSpPr>
-        <p:spPr>
-          <a:xfrm>
-            <a:off x="1600201" y="5272088"/>
-            <a:ext cx="971551" cy="971550"/>
-          </a:xfrm>
-          <a:prstGeom prst="ellipse">
-            <a:avLst/>
-          </a:prstGeom>
-          <a:solidFill>
-            <a:srgbClr val="223054"/>
-          </a:solidFill>
-          <a:ln>
-            <a:noFill/>
-          </a:ln>
-        </p:spPr>
-        <p:style>
-          <a:lnRef idx="2">
-            <a:schemeClr val="accent1">
-              <a:shade val="50000"/>
-            </a:schemeClr>
-          </a:lnRef>
-          <a:fillRef idx="1">
-            <a:schemeClr val="accent1"/>
-          </a:fillRef>
-          <a:effectRef idx="0">
-            <a:schemeClr val="accent1"/>
-          </a:effectRef>
-          <a:fontRef idx="minor">
-            <a:schemeClr val="lt1"/>
-          </a:fontRef>
-        </p:style>
-        <p:txBody>
-          <a:bodyPr rtlCol="0" anchor="ctr"/>
-          <a:lstStyle/>
-          <a:p>
-            <a:pPr algn="ctr"/>
-            <a:endParaRPr lang="zh-CN" altLang="en-US"/>
-          </a:p>
-        </p:txBody>
-      </p:sp>
-    </p:spTree>
-    <p:extLst>
-      <p:ext uri="{BB962C8B-B14F-4D97-AF65-F5344CB8AC3E}">
-        <p14:creationId xmlns:p14="http://schemas.microsoft.com/office/powerpoint/2010/main" val="3387914982"/>
-      </p:ext>
-    </p:extLst>
-  </p:cSld>
-  <p:clrMapOvr>
-    <a:masterClrMapping/>
-  </p:clrMapOvr>
-  <p:transition spd="slow">
-    <p:wipe/>
-  </p:transition>
-  <p:timing>
-    <p:tnLst>
-      <p:par>
-        <p:cTn id="1" dur="indefinite" restart="never" nodeType="tmRoot"/>
-      </p:par>
-    </p:tnLst>
-  </p:timing>
-</p:sldLayout>
-</file>
-
-<file path=ppt/slideLayouts/slideLayout17.xml><?xml version="1.0" encoding="utf-8"?>
-<p:sldLayout xmlns:a="http://schemas.openxmlformats.org/drawingml/2006/main" xmlns:r="http://schemas.openxmlformats.org/officeDocument/2006/relationships" xmlns:p="http://schemas.openxmlformats.org/presentationml/2006/main" userDrawn="1">
-  <p:cSld name="6_标题幻灯片">
-    <p:spTree>
-      <p:nvGrpSpPr>
-        <p:cNvPr id="1" name=""/>
-        <p:cNvGrpSpPr/>
-        <p:nvPr/>
-      </p:nvGrpSpPr>
-      <p:grpSpPr>
-        <a:xfrm>
-          <a:off x="0" y="0"/>
-          <a:ext cx="0" cy="0"/>
-          <a:chOff x="0" y="0"/>
-          <a:chExt cx="0" cy="0"/>
-        </a:xfrm>
-      </p:grpSpPr>
-      <p:sp>
-        <p:nvSpPr>
-          <p:cNvPr id="4" name="日期占位符 3"/>
-          <p:cNvSpPr>
-            <a:spLocks noGrp="1"/>
-          </p:cNvSpPr>
-          <p:nvPr>
-            <p:ph type="dt" sz="half" idx="10"/>
-          </p:nvPr>
-        </p:nvSpPr>
-        <p:spPr/>
-        <p:txBody>
-          <a:bodyPr/>
-          <a:lstStyle/>
-          <a:p>
-            <a:fld id="{171BBD79-73BD-4FCC-A131-912D061EF751}" type="datetimeFigureOut">
-              <a:rPr lang="zh-CN" altLang="en-US" smtClean="0"/>
-              <a:t>2017/5/22</a:t>
-            </a:fld>
-            <a:endParaRPr lang="zh-CN" altLang="en-US"/>
-          </a:p>
-        </p:txBody>
-      </p:sp>
-      <p:sp>
-        <p:nvSpPr>
-          <p:cNvPr id="5" name="页脚占位符 4"/>
-          <p:cNvSpPr>
-            <a:spLocks noGrp="1"/>
-          </p:cNvSpPr>
-          <p:nvPr>
-            <p:ph type="ftr" sz="quarter" idx="11"/>
-          </p:nvPr>
-        </p:nvSpPr>
-        <p:spPr/>
-        <p:txBody>
-          <a:bodyPr/>
-          <a:lstStyle/>
-          <a:p>
-            <a:endParaRPr lang="zh-CN" altLang="en-US"/>
-          </a:p>
-        </p:txBody>
-      </p:sp>
-      <p:sp>
-        <p:nvSpPr>
-          <p:cNvPr id="6" name="灯片编号占位符 5"/>
-          <p:cNvSpPr>
-            <a:spLocks noGrp="1"/>
-          </p:cNvSpPr>
-          <p:nvPr>
-            <p:ph type="sldNum" sz="quarter" idx="12"/>
-          </p:nvPr>
-        </p:nvSpPr>
-        <p:spPr/>
-        <p:txBody>
-          <a:bodyPr/>
-          <a:lstStyle/>
-          <a:p>
-            <a:fld id="{09A119BB-CB53-4D13-A1E9-626B81BB36FF}" type="slidenum">
-              <a:rPr lang="zh-CN" altLang="en-US" smtClean="0"/>
-              <a:t>‹#›</a:t>
-            </a:fld>
-            <a:endParaRPr lang="zh-CN" altLang="en-US"/>
-          </a:p>
-        </p:txBody>
-      </p:sp>
-      <p:sp>
-        <p:nvSpPr>
-          <p:cNvPr id="7" name="矩形 6"/>
-          <p:cNvSpPr/>
-          <p:nvPr userDrawn="1"/>
-        </p:nvSpPr>
-        <p:spPr>
-          <a:xfrm>
-            <a:off x="0" y="0"/>
-            <a:ext cx="12192000" cy="6858000"/>
-          </a:xfrm>
-          <a:prstGeom prst="rect">
-            <a:avLst/>
-          </a:prstGeom>
-          <a:solidFill>
-            <a:srgbClr val="223054"/>
-          </a:solidFill>
-          <a:ln>
-            <a:solidFill>
-              <a:srgbClr val="223054"/>
-            </a:solidFill>
-          </a:ln>
-        </p:spPr>
-        <p:style>
-          <a:lnRef idx="2">
-            <a:schemeClr val="accent1">
-              <a:shade val="50000"/>
-            </a:schemeClr>
-          </a:lnRef>
-          <a:fillRef idx="1">
-            <a:schemeClr val="accent1"/>
-          </a:fillRef>
-          <a:effectRef idx="0">
-            <a:schemeClr val="accent1"/>
-          </a:effectRef>
-          <a:fontRef idx="minor">
-            <a:schemeClr val="lt1"/>
-          </a:fontRef>
-        </p:style>
-        <p:txBody>
-          <a:bodyPr rtlCol="0" anchor="ctr"/>
-          <a:lstStyle/>
-          <a:p>
-            <a:pPr algn="ctr"/>
-            <a:endParaRPr lang="zh-CN" altLang="en-US"/>
-          </a:p>
-        </p:txBody>
-      </p:sp>
-      <p:sp>
-        <p:nvSpPr>
-          <p:cNvPr id="8" name="椭圆 7"/>
-          <p:cNvSpPr/>
-          <p:nvPr userDrawn="1"/>
-        </p:nvSpPr>
-        <p:spPr>
-          <a:xfrm>
-            <a:off x="1600201" y="5272088"/>
-            <a:ext cx="971551" cy="971550"/>
-          </a:xfrm>
-          <a:prstGeom prst="ellipse">
-            <a:avLst/>
-          </a:prstGeom>
-          <a:solidFill>
-            <a:srgbClr val="223054"/>
-          </a:solidFill>
-          <a:ln>
-            <a:noFill/>
-          </a:ln>
-        </p:spPr>
-        <p:style>
-          <a:lnRef idx="2">
-            <a:schemeClr val="accent1">
-              <a:shade val="50000"/>
-            </a:schemeClr>
-          </a:lnRef>
-          <a:fillRef idx="1">
-            <a:schemeClr val="accent1"/>
-          </a:fillRef>
-          <a:effectRef idx="0">
-            <a:schemeClr val="accent1"/>
-          </a:effectRef>
-          <a:fontRef idx="minor">
-            <a:schemeClr val="lt1"/>
-          </a:fontRef>
-        </p:style>
-        <p:txBody>
-          <a:bodyPr rtlCol="0" anchor="ctr"/>
-          <a:lstStyle/>
-          <a:p>
-            <a:pPr algn="ctr"/>
-            <a:endParaRPr lang="zh-CN" altLang="en-US"/>
-          </a:p>
-        </p:txBody>
-      </p:sp>
-    </p:spTree>
-    <p:extLst>
-      <p:ext uri="{BB962C8B-B14F-4D97-AF65-F5344CB8AC3E}">
-        <p14:creationId xmlns:p14="http://schemas.microsoft.com/office/powerpoint/2010/main" val="331154023"/>
-      </p:ext>
-    </p:extLst>
-  </p:cSld>
-  <p:clrMapOvr>
-    <a:masterClrMapping/>
-  </p:clrMapOvr>
-  <p:transition spd="slow">
-    <p:wipe/>
-  </p:transition>
-  <p:timing>
-    <p:tnLst>
-      <p:par>
-        <p:cTn id="1" dur="indefinite" restart="never" nodeType="tmRoot"/>
-      </p:par>
-    </p:tnLst>
-  </p:timing>
-</p:sldLayout>
-</file>
-
-<file path=ppt/slideLayouts/slideLayout18.xml><?xml version="1.0" encoding="utf-8"?>
-<p:sldLayout xmlns:a="http://schemas.openxmlformats.org/drawingml/2006/main" xmlns:r="http://schemas.openxmlformats.org/officeDocument/2006/relationships" xmlns:p="http://schemas.openxmlformats.org/presentationml/2006/main" userDrawn="1">
-  <p:cSld name="7_标题幻灯片">
-    <p:spTree>
-      <p:nvGrpSpPr>
-        <p:cNvPr id="1" name=""/>
-        <p:cNvGrpSpPr/>
-        <p:nvPr/>
-      </p:nvGrpSpPr>
-      <p:grpSpPr>
-        <a:xfrm>
-          <a:off x="0" y="0"/>
-          <a:ext cx="0" cy="0"/>
-          <a:chOff x="0" y="0"/>
-          <a:chExt cx="0" cy="0"/>
-        </a:xfrm>
-      </p:grpSpPr>
-      <p:sp>
-        <p:nvSpPr>
-          <p:cNvPr id="4" name="日期占位符 3"/>
-          <p:cNvSpPr>
-            <a:spLocks noGrp="1"/>
-          </p:cNvSpPr>
-          <p:nvPr>
-            <p:ph type="dt" sz="half" idx="10"/>
-          </p:nvPr>
-        </p:nvSpPr>
-        <p:spPr/>
-        <p:txBody>
-          <a:bodyPr/>
-          <a:lstStyle/>
-          <a:p>
-            <a:fld id="{171BBD79-73BD-4FCC-A131-912D061EF751}" type="datetimeFigureOut">
-              <a:rPr lang="zh-CN" altLang="en-US" smtClean="0"/>
-              <a:t>2017/5/22</a:t>
-            </a:fld>
-            <a:endParaRPr lang="zh-CN" altLang="en-US"/>
-          </a:p>
-        </p:txBody>
-      </p:sp>
-      <p:sp>
-        <p:nvSpPr>
-          <p:cNvPr id="5" name="页脚占位符 4"/>
-          <p:cNvSpPr>
-            <a:spLocks noGrp="1"/>
-          </p:cNvSpPr>
-          <p:nvPr>
-            <p:ph type="ftr" sz="quarter" idx="11"/>
-          </p:nvPr>
-        </p:nvSpPr>
-        <p:spPr/>
-        <p:txBody>
-          <a:bodyPr/>
-          <a:lstStyle/>
-          <a:p>
-            <a:endParaRPr lang="zh-CN" altLang="en-US"/>
-          </a:p>
-        </p:txBody>
-      </p:sp>
-      <p:sp>
-        <p:nvSpPr>
-          <p:cNvPr id="6" name="灯片编号占位符 5"/>
-          <p:cNvSpPr>
-            <a:spLocks noGrp="1"/>
-          </p:cNvSpPr>
-          <p:nvPr>
-            <p:ph type="sldNum" sz="quarter" idx="12"/>
-          </p:nvPr>
-        </p:nvSpPr>
-        <p:spPr/>
-        <p:txBody>
-          <a:bodyPr/>
-          <a:lstStyle/>
-          <a:p>
-            <a:fld id="{09A119BB-CB53-4D13-A1E9-626B81BB36FF}" type="slidenum">
-              <a:rPr lang="zh-CN" altLang="en-US" smtClean="0"/>
-              <a:t>‹#›</a:t>
-            </a:fld>
-            <a:endParaRPr lang="zh-CN" altLang="en-US"/>
-          </a:p>
-        </p:txBody>
-      </p:sp>
-      <p:sp>
-        <p:nvSpPr>
-          <p:cNvPr id="7" name="矩形 6"/>
-          <p:cNvSpPr/>
-          <p:nvPr userDrawn="1"/>
-        </p:nvSpPr>
-        <p:spPr>
-          <a:xfrm>
-            <a:off x="0" y="0"/>
-            <a:ext cx="12192000" cy="6858000"/>
-          </a:xfrm>
-          <a:prstGeom prst="rect">
-            <a:avLst/>
-          </a:prstGeom>
-          <a:solidFill>
-            <a:srgbClr val="223054"/>
-          </a:solidFill>
-          <a:ln>
-            <a:solidFill>
-              <a:srgbClr val="223054"/>
-            </a:solidFill>
-          </a:ln>
-        </p:spPr>
-        <p:style>
-          <a:lnRef idx="2">
-            <a:schemeClr val="accent1">
-              <a:shade val="50000"/>
-            </a:schemeClr>
-          </a:lnRef>
-          <a:fillRef idx="1">
-            <a:schemeClr val="accent1"/>
-          </a:fillRef>
-          <a:effectRef idx="0">
-            <a:schemeClr val="accent1"/>
-          </a:effectRef>
-          <a:fontRef idx="minor">
-            <a:schemeClr val="lt1"/>
-          </a:fontRef>
-        </p:style>
-        <p:txBody>
-          <a:bodyPr rtlCol="0" anchor="ctr"/>
-          <a:lstStyle/>
-          <a:p>
-            <a:pPr algn="ctr"/>
-            <a:endParaRPr lang="zh-CN" altLang="en-US"/>
-          </a:p>
-        </p:txBody>
-      </p:sp>
-      <p:sp>
-        <p:nvSpPr>
-          <p:cNvPr id="8" name="椭圆 7"/>
-          <p:cNvSpPr/>
-          <p:nvPr userDrawn="1"/>
-        </p:nvSpPr>
-        <p:spPr>
-          <a:xfrm>
-            <a:off x="1600201" y="5272088"/>
-            <a:ext cx="971551" cy="971550"/>
-          </a:xfrm>
-          <a:prstGeom prst="ellipse">
-            <a:avLst/>
-          </a:prstGeom>
-          <a:solidFill>
-            <a:srgbClr val="223054"/>
-          </a:solidFill>
-          <a:ln>
-            <a:noFill/>
-          </a:ln>
-        </p:spPr>
-        <p:style>
-          <a:lnRef idx="2">
-            <a:schemeClr val="accent1">
-              <a:shade val="50000"/>
-            </a:schemeClr>
-          </a:lnRef>
-          <a:fillRef idx="1">
-            <a:schemeClr val="accent1"/>
-          </a:fillRef>
-          <a:effectRef idx="0">
-            <a:schemeClr val="accent1"/>
-          </a:effectRef>
-          <a:fontRef idx="minor">
-            <a:schemeClr val="lt1"/>
-          </a:fontRef>
-        </p:style>
-        <p:txBody>
-          <a:bodyPr rtlCol="0" anchor="ctr"/>
-          <a:lstStyle/>
-          <a:p>
-            <a:pPr algn="ctr"/>
-            <a:endParaRPr lang="zh-CN" altLang="en-US"/>
-          </a:p>
-        </p:txBody>
-      </p:sp>
-    </p:spTree>
-    <p:extLst>
-      <p:ext uri="{BB962C8B-B14F-4D97-AF65-F5344CB8AC3E}">
-        <p14:creationId xmlns:p14="http://schemas.microsoft.com/office/powerpoint/2010/main" val="1206454227"/>
-      </p:ext>
-    </p:extLst>
-  </p:cSld>
-  <p:clrMapOvr>
-    <a:masterClrMapping/>
-  </p:clrMapOvr>
-  <p:transition spd="slow">
-    <p:wipe/>
-  </p:transition>
-  <p:timing>
-    <p:tnLst>
-      <p:par>
-        <p:cTn id="1" dur="indefinite" restart="never" nodeType="tmRoot"/>
-      </p:par>
-    </p:tnLst>
-  </p:timing>
-</p:sldLayout>
-</file>
-
 <file path=ppt/slideLayouts/slideLayout2.xml><?xml version="1.0" encoding="utf-8"?>
 <p:sldLayout xmlns:a="http://schemas.openxmlformats.org/drawingml/2006/main" xmlns:r="http://schemas.openxmlformats.org/officeDocument/2006/relationships" xmlns:p="http://schemas.openxmlformats.org/presentationml/2006/main" type="obj" preserve="1">
   <p:cSld name="标题和内容">
@@ -4337,12 +3146,6 @@
     <p:sldLayoutId id="2147483658" r:id="rId10"/>
     <p:sldLayoutId id="2147483659" r:id="rId11"/>
     <p:sldLayoutId id="2147483660" r:id="rId12"/>
-    <p:sldLayoutId id="2147483661" r:id="rId13"/>
-    <p:sldLayoutId id="2147483662" r:id="rId14"/>
-    <p:sldLayoutId id="2147483663" r:id="rId15"/>
-    <p:sldLayoutId id="2147483664" r:id="rId16"/>
-    <p:sldLayoutId id="2147483665" r:id="rId17"/>
-    <p:sldLayoutId id="2147483666" r:id="rId18"/>
   </p:sldLayoutIdLst>
   <p:txStyles>
     <p:titleStyle>
@@ -4652,7 +3455,7 @@
         </p:nvSpPr>
         <p:spPr>
           <a:xfrm>
-            <a:off x="7638457" y="2038474"/>
+            <a:off x="6556813" y="2028414"/>
             <a:ext cx="1247115" cy="1862048"/>
           </a:xfrm>
           <a:prstGeom prst="rect">
@@ -4680,7 +3483,7 @@
                   </a:outerShdw>
                 </a:effectLst>
               </a:rPr>
-              <a:t>6</a:t>
+              <a:t>I</a:t>
             </a:r>
             <a:endParaRPr lang="zh-CN" altLang="en-US" sz="11500" b="1" dirty="0">
               <a:solidFill>
@@ -4705,7 +3508,7 @@
         </p:nvGrpSpPr>
         <p:grpSpPr>
           <a:xfrm rot="2725467">
-            <a:off x="3862687" y="656008"/>
+            <a:off x="2819324" y="678381"/>
             <a:ext cx="4534727" cy="4562113"/>
             <a:chOff x="11063181" y="-389332"/>
             <a:chExt cx="1438119" cy="1446804"/>
@@ -4907,8 +3710,8 @@
         </p:nvSpPr>
         <p:spPr>
           <a:xfrm>
-            <a:off x="3300012" y="2009091"/>
-            <a:ext cx="1233030" cy="1862048"/>
+            <a:off x="2383497" y="1979967"/>
+            <a:ext cx="881973" cy="1862048"/>
           </a:xfrm>
           <a:prstGeom prst="rect">
             <a:avLst/>
@@ -4933,7 +3736,7 @@
                   </a:outerShdw>
                 </a:effectLst>
               </a:rPr>
-              <a:t>2</a:t>
+              <a:t>S</a:t>
             </a:r>
             <a:endParaRPr lang="zh-CN" altLang="en-US" sz="2000" dirty="0"/>
           </a:p>
@@ -4947,8 +3750,8 @@
         </p:nvSpPr>
         <p:spPr>
           <a:xfrm>
-            <a:off x="4873696" y="2000029"/>
-            <a:ext cx="1233030" cy="1862048"/>
+            <a:off x="4030247" y="1976293"/>
+            <a:ext cx="577402" cy="1862048"/>
           </a:xfrm>
           <a:prstGeom prst="rect">
             <a:avLst/>
@@ -4973,7 +3776,7 @@
                   </a:outerShdw>
                 </a:effectLst>
               </a:rPr>
-              <a:t>0</a:t>
+              <a:t>I</a:t>
             </a:r>
             <a:endParaRPr lang="zh-CN" altLang="en-US" sz="2000" dirty="0"/>
           </a:p>
@@ -4987,8 +3790,8 @@
         </p:nvSpPr>
         <p:spPr>
           <a:xfrm>
-            <a:off x="6218035" y="1994914"/>
-            <a:ext cx="1233030" cy="1862048"/>
+            <a:off x="5169143" y="1999031"/>
+            <a:ext cx="1196161" cy="1862048"/>
           </a:xfrm>
           <a:prstGeom prst="rect">
             <a:avLst/>
@@ -5013,7 +3816,7 @@
                   </a:outerShdw>
                 </a:effectLst>
               </a:rPr>
-              <a:t>1</a:t>
+              <a:t>Q</a:t>
             </a:r>
             <a:endParaRPr lang="zh-CN" altLang="en-US" sz="2000" dirty="0"/>
           </a:p>
@@ -5319,7 +4122,111 @@
           </a:p>
         </p:txBody>
       </p:sp>
+      <p:sp>
+        <p:nvSpPr>
+          <p:cNvPr id="21" name="矩形 20"/>
+          <p:cNvSpPr/>
+          <p:nvPr/>
+        </p:nvSpPr>
+        <p:spPr>
+          <a:xfrm rot="2725467">
+            <a:off x="7849898" y="2130980"/>
+            <a:ext cx="1552675" cy="1552675"/>
+          </a:xfrm>
+          <a:prstGeom prst="rect">
+            <a:avLst/>
+          </a:prstGeom>
+          <a:noFill/>
+          <a:ln w="38100">
+            <a:solidFill>
+              <a:srgbClr val="00B0F0"/>
+            </a:solidFill>
+          </a:ln>
+        </p:spPr>
+        <p:style>
+          <a:lnRef idx="2">
+            <a:schemeClr val="accent1">
+              <a:shade val="50000"/>
+            </a:schemeClr>
+          </a:lnRef>
+          <a:fillRef idx="1">
+            <a:schemeClr val="accent1"/>
+          </a:fillRef>
+          <a:effectRef idx="0">
+            <a:schemeClr val="accent1"/>
+          </a:effectRef>
+          <a:fontRef idx="minor">
+            <a:schemeClr val="lt1"/>
+          </a:fontRef>
+        </p:style>
+        <p:txBody>
+          <a:bodyPr rtlCol="0" anchor="ctr"/>
+          <a:lstStyle/>
+          <a:p>
+            <a:pPr algn="ctr"/>
+            <a:endParaRPr lang="zh-CN" altLang="en-US"/>
+          </a:p>
+        </p:txBody>
+      </p:sp>
+      <p:sp>
+        <p:nvSpPr>
+          <p:cNvPr id="22" name="文本框 21"/>
+          <p:cNvSpPr txBox="1"/>
+          <p:nvPr/>
+        </p:nvSpPr>
+        <p:spPr>
+          <a:xfrm>
+            <a:off x="8069767" y="2060848"/>
+            <a:ext cx="1247115" cy="1862048"/>
+          </a:xfrm>
+          <a:prstGeom prst="rect">
+            <a:avLst/>
+          </a:prstGeom>
+          <a:noFill/>
+        </p:spPr>
+        <p:txBody>
+          <a:bodyPr wrap="square" rtlCol="0">
+            <a:spAutoFit/>
+          </a:bodyPr>
+          <a:lstStyle/>
+          <a:p>
+            <a:pPr algn="ctr"/>
+            <a:r>
+              <a:rPr lang="en-US" altLang="zh-CN" sz="11500" b="1" dirty="0">
+                <a:solidFill>
+                  <a:schemeClr val="bg1"/>
+                </a:solidFill>
+                <a:effectLst>
+                  <a:outerShdw blurRad="50800" dist="38100" dir="2700000" algn="tl" rotWithShape="0">
+                    <a:prstClr val="black">
+                      <a:alpha val="40000"/>
+                    </a:prstClr>
+                  </a:outerShdw>
+                </a:effectLst>
+              </a:rPr>
+              <a:t>N</a:t>
+            </a:r>
+            <a:endParaRPr lang="zh-CN" altLang="en-US" sz="11500" b="1" dirty="0">
+              <a:solidFill>
+                <a:schemeClr val="bg1"/>
+              </a:solidFill>
+              <a:effectLst>
+                <a:outerShdw blurRad="50800" dist="38100" dir="2700000" algn="tl" rotWithShape="0">
+                  <a:prstClr val="black">
+                    <a:alpha val="40000"/>
+                  </a:prstClr>
+                </a:outerShdw>
+              </a:effectLst>
+            </a:endParaRPr>
+          </a:p>
+        </p:txBody>
+      </p:sp>
     </p:spTree>
+    <p:extLst>
+      <p:ext uri="{BB962C8B-B14F-4D97-AF65-F5344CB8AC3E}">
+        <p14:creationId xmlns:p14="http://schemas.microsoft.com/office/powerpoint/2010/main" val="3845936298"/>
+      </p:ext>
+    </p:extLst>
   </p:cSld>
   <p:clrMapOvr>
     <a:masterClrMapping/>
@@ -5526,7 +4433,7 @@
           <a:lstStyle/>
           <a:p>
             <a:r>
-              <a:rPr lang="en-US" altLang="zh-CN" sz="4000" b="1" dirty="0" smtClean="0">
+              <a:rPr lang="en-US" altLang="zh-CN" sz="4000" b="1" dirty="0">
                 <a:solidFill>
                   <a:schemeClr val="bg1"/>
                 </a:solidFill>
@@ -5534,18 +4441,13 @@
               <a:t>User</a:t>
             </a:r>
             <a:r>
-              <a:rPr lang="zh-CN" altLang="en-US" sz="4000" b="1" dirty="0" smtClean="0">
+              <a:rPr lang="zh-CN" altLang="en-US" sz="4000" b="1" dirty="0">
                 <a:solidFill>
                   <a:schemeClr val="bg1"/>
                 </a:solidFill>
               </a:rPr>
               <a:t>状态图</a:t>
             </a:r>
-            <a:endParaRPr lang="zh-CN" altLang="en-US" sz="4000" b="1" dirty="0">
-              <a:solidFill>
-                <a:schemeClr val="bg1"/>
-              </a:solidFill>
-            </a:endParaRPr>
           </a:p>
         </p:txBody>
       </p:sp>
@@ -5580,6 +4482,11 @@
         </p:spPr>
       </p:pic>
     </p:spTree>
+    <p:extLst>
+      <p:ext uri="{BB962C8B-B14F-4D97-AF65-F5344CB8AC3E}">
+        <p14:creationId xmlns:p14="http://schemas.microsoft.com/office/powerpoint/2010/main" val="3872906598"/>
+      </p:ext>
+    </p:extLst>
   </p:cSld>
   <p:clrMapOvr>
     <a:masterClrMapping/>
@@ -5786,18 +4693,13 @@
           <a:lstStyle/>
           <a:p>
             <a:r>
-              <a:rPr lang="zh-CN" altLang="en-US" sz="4000" b="1" dirty="0" smtClean="0">
+              <a:rPr lang="zh-CN" altLang="en-US" sz="4000" b="1" dirty="0">
                 <a:solidFill>
                   <a:schemeClr val="bg1"/>
                 </a:solidFill>
               </a:rPr>
               <a:t>景点类的状态图</a:t>
             </a:r>
-            <a:endParaRPr lang="zh-CN" altLang="en-US" sz="4000" b="1" dirty="0">
-              <a:solidFill>
-                <a:schemeClr val="bg1"/>
-              </a:solidFill>
-            </a:endParaRPr>
           </a:p>
         </p:txBody>
       </p:sp>
@@ -5826,6 +4728,11 @@
         </p:spPr>
       </p:pic>
     </p:spTree>
+    <p:extLst>
+      <p:ext uri="{BB962C8B-B14F-4D97-AF65-F5344CB8AC3E}">
+        <p14:creationId xmlns:p14="http://schemas.microsoft.com/office/powerpoint/2010/main" val="3285646930"/>
+      </p:ext>
+    </p:extLst>
   </p:cSld>
   <p:clrMapOvr>
     <a:masterClrMapping/>
@@ -6412,6 +5319,11 @@
         </p:txBody>
       </p:sp>
     </p:spTree>
+    <p:extLst>
+      <p:ext uri="{BB962C8B-B14F-4D97-AF65-F5344CB8AC3E}">
+        <p14:creationId xmlns:p14="http://schemas.microsoft.com/office/powerpoint/2010/main" val="2863641257"/>
+      </p:ext>
+    </p:extLst>
   </p:cSld>
   <p:clrMapOvr>
     <a:masterClrMapping/>
@@ -6659,6 +5571,11 @@
         </p:txBody>
       </p:sp>
     </p:spTree>
+    <p:extLst>
+      <p:ext uri="{BB962C8B-B14F-4D97-AF65-F5344CB8AC3E}">
+        <p14:creationId xmlns:p14="http://schemas.microsoft.com/office/powerpoint/2010/main" val="247544353"/>
+      </p:ext>
+    </p:extLst>
   </p:cSld>
   <p:clrMapOvr>
     <a:masterClrMapping/>
@@ -6906,6 +5823,11 @@
         </p:spPr>
       </p:pic>
     </p:spTree>
+    <p:extLst>
+      <p:ext uri="{BB962C8B-B14F-4D97-AF65-F5344CB8AC3E}">
+        <p14:creationId xmlns:p14="http://schemas.microsoft.com/office/powerpoint/2010/main" val="183965525"/>
+      </p:ext>
+    </p:extLst>
   </p:cSld>
   <p:clrMapOvr>
     <a:masterClrMapping/>
@@ -7112,7 +6034,7 @@
           <a:lstStyle/>
           <a:p>
             <a:r>
-              <a:rPr lang="zh-CN" altLang="en-US" sz="4000" b="1" dirty="0" smtClean="0">
+              <a:rPr lang="zh-CN" altLang="en-US" sz="4000" b="1" dirty="0">
                 <a:solidFill>
                   <a:schemeClr val="bg1"/>
                 </a:solidFill>
@@ -7120,7 +6042,7 @@
               <a:t>美食</a:t>
             </a:r>
             <a:r>
-              <a:rPr lang="en-US" altLang="zh-CN" sz="4000" b="1" dirty="0" smtClean="0">
+              <a:rPr lang="en-US" altLang="zh-CN" sz="4000" b="1" dirty="0">
                 <a:solidFill>
                   <a:schemeClr val="bg1"/>
                 </a:solidFill>
@@ -7380,7 +6302,7 @@
               <a:t>景点</a:t>
             </a:r>
             <a:r>
-              <a:rPr lang="en-US" altLang="zh-CN" sz="4000" b="1" dirty="0" smtClean="0">
+              <a:rPr lang="en-US" altLang="zh-CN" sz="4000" b="1" dirty="0">
                 <a:solidFill>
                   <a:schemeClr val="bg1"/>
                 </a:solidFill>
@@ -7466,8 +6388,8 @@
         </p:nvSpPr>
         <p:spPr>
           <a:xfrm>
-            <a:off x="3895867" y="2409462"/>
-            <a:ext cx="7705584" cy="1446550"/>
+            <a:off x="4073149" y="1844601"/>
+            <a:ext cx="7705584" cy="2800767"/>
           </a:xfrm>
           <a:prstGeom prst="rect">
             <a:avLst/>
@@ -7481,18 +6403,23 @@
           <a:lstStyle/>
           <a:p>
             <a:r>
-              <a:rPr lang="en-US" altLang="zh-CN" sz="8800" b="1" dirty="0" smtClean="0">
+              <a:rPr lang="en-US" altLang="zh-CN" sz="8800" b="1" dirty="0">
                 <a:solidFill>
                   <a:schemeClr val="bg1"/>
                 </a:solidFill>
               </a:rPr>
               <a:t>Part one</a:t>
             </a:r>
-            <a:endParaRPr lang="zh-CN" altLang="en-US" sz="8800" b="1" dirty="0">
-              <a:solidFill>
-                <a:schemeClr val="bg1"/>
-              </a:solidFill>
-            </a:endParaRPr>
+          </a:p>
+          <a:p>
+            <a:r>
+              <a:rPr lang="zh-CN" altLang="en-US" sz="8800" b="1" dirty="0">
+                <a:solidFill>
+                  <a:schemeClr val="bg1"/>
+                </a:solidFill>
+              </a:rPr>
+              <a:t>用例图</a:t>
+            </a:r>
           </a:p>
         </p:txBody>
       </p:sp>
@@ -7698,56 +6625,6 @@
           </p:txBody>
         </p:sp>
       </p:grpSp>
-      <p:sp>
-        <p:nvSpPr>
-          <p:cNvPr id="2" name="文本框 1"/>
-          <p:cNvSpPr txBox="1"/>
-          <p:nvPr/>
-        </p:nvSpPr>
-        <p:spPr>
-          <a:xfrm>
-            <a:off x="7898859" y="4562273"/>
-            <a:ext cx="3190672" cy="369332"/>
-          </a:xfrm>
-          <a:prstGeom prst="rect">
-            <a:avLst/>
-          </a:prstGeom>
-          <a:noFill/>
-        </p:spPr>
-        <p:txBody>
-          <a:bodyPr wrap="square" rtlCol="0">
-            <a:spAutoFit/>
-          </a:bodyPr>
-          <a:lstStyle/>
-          <a:p>
-            <a:r>
-              <a:rPr lang="en-US" altLang="zh-CN" b="1" dirty="0" smtClean="0">
-                <a:solidFill>
-                  <a:schemeClr val="bg1"/>
-                </a:solidFill>
-              </a:rPr>
-              <a:t>------</a:t>
-            </a:r>
-            <a:r>
-              <a:rPr lang="zh-CN" altLang="en-US" b="1" dirty="0" smtClean="0">
-                <a:solidFill>
-                  <a:schemeClr val="bg1"/>
-                </a:solidFill>
-              </a:rPr>
-              <a:t>用</a:t>
-            </a:r>
-            <a:r>
-              <a:rPr lang="zh-CN" altLang="en-US" b="1" dirty="0">
-                <a:solidFill>
-                  <a:schemeClr val="bg1"/>
-                </a:solidFill>
-              </a:rPr>
-              <a:t>例图</a:t>
-            </a:r>
-            <a:endParaRPr lang="zh-CN" altLang="en-US" dirty="0"/>
-          </a:p>
-        </p:txBody>
-      </p:sp>
     </p:spTree>
     <p:extLst>
       <p:ext uri="{BB962C8B-B14F-4D97-AF65-F5344CB8AC3E}">
@@ -7761,13 +6638,6 @@
   <p:transition spd="slow">
     <p:wipe/>
   </p:transition>
-  <p:timing>
-    <p:tnLst>
-      <p:par>
-        <p:cTn id="1" dur="indefinite" restart="never" nodeType="tmRoot"/>
-      </p:par>
-    </p:tnLst>
-  </p:timing>
 </p:sld>
 </file>
 
@@ -7997,14 +6867,14 @@
           <a:lstStyle/>
           <a:p>
             <a:r>
-              <a:rPr lang="zh-CN" altLang="en-US" sz="3600" b="1" dirty="0" smtClean="0">
+              <a:rPr lang="zh-CN" altLang="en-US" sz="3600" b="1" dirty="0">
                 <a:solidFill>
                   <a:schemeClr val="bg1"/>
                 </a:solidFill>
               </a:rPr>
               <a:t>用</a:t>
             </a:r>
-            <a:endParaRPr lang="en-US" altLang="zh-CN" sz="3600" b="1" dirty="0" smtClean="0">
+            <a:endParaRPr lang="en-US" altLang="zh-CN" sz="3600" b="1" dirty="0">
               <a:solidFill>
                 <a:schemeClr val="bg1"/>
               </a:solidFill>
@@ -8012,14 +6882,14 @@
           </a:p>
           <a:p>
             <a:r>
-              <a:rPr lang="zh-CN" altLang="en-US" sz="3600" b="1" dirty="0" smtClean="0">
+              <a:rPr lang="zh-CN" altLang="en-US" sz="3600" b="1" dirty="0">
                 <a:solidFill>
                   <a:schemeClr val="bg1"/>
                 </a:solidFill>
               </a:rPr>
               <a:t>例</a:t>
             </a:r>
-            <a:endParaRPr lang="en-US" altLang="zh-CN" sz="3200" b="1" dirty="0" smtClean="0">
+            <a:endParaRPr lang="en-US" altLang="zh-CN" sz="3200" b="1" dirty="0">
               <a:solidFill>
                 <a:schemeClr val="bg1"/>
               </a:solidFill>
@@ -8027,7 +6897,7 @@
           </a:p>
           <a:p>
             <a:r>
-              <a:rPr lang="zh-CN" altLang="en-US" sz="3600" b="1" dirty="0" smtClean="0">
+              <a:rPr lang="zh-CN" altLang="en-US" sz="3600" b="1" dirty="0">
                 <a:solidFill>
                   <a:schemeClr val="bg1"/>
                 </a:solidFill>
@@ -8051,13 +6921,6 @@
   <p:transition spd="slow">
     <p:wipe/>
   </p:transition>
-  <p:timing>
-    <p:tnLst>
-      <p:par>
-        <p:cTn id="1" dur="indefinite" restart="never" nodeType="tmRoot"/>
-      </p:par>
-    </p:tnLst>
-  </p:timing>
 </p:sld>
 </file>
 
@@ -8086,8 +6949,8 @@
         </p:nvSpPr>
         <p:spPr>
           <a:xfrm>
-            <a:off x="4125392" y="2626881"/>
-            <a:ext cx="7434123" cy="1446550"/>
+            <a:off x="4268270" y="2089948"/>
+            <a:ext cx="7434123" cy="2800767"/>
           </a:xfrm>
           <a:prstGeom prst="rect">
             <a:avLst/>
@@ -8101,26 +6964,23 @@
           <a:lstStyle/>
           <a:p>
             <a:r>
-              <a:rPr lang="en-US" altLang="zh-CN" sz="8800" b="1" dirty="0" smtClean="0">
-                <a:solidFill>
-                  <a:schemeClr val="bg1"/>
-                </a:solidFill>
-              </a:rPr>
-              <a:t>Part </a:t>
-            </a:r>
-            <a:r>
               <a:rPr lang="en-US" altLang="zh-CN" sz="8800" b="1" dirty="0">
                 <a:solidFill>
                   <a:schemeClr val="bg1"/>
                 </a:solidFill>
               </a:rPr>
-              <a:t>two</a:t>
+              <a:t>Part two</a:t>
             </a:r>
-            <a:endParaRPr lang="zh-CN" altLang="en-US" sz="8800" b="1" dirty="0">
-              <a:solidFill>
-                <a:schemeClr val="bg1"/>
-              </a:solidFill>
-            </a:endParaRPr>
+          </a:p>
+          <a:p>
+            <a:r>
+              <a:rPr lang="zh-CN" altLang="en-US" sz="8800" b="1" dirty="0">
+                <a:solidFill>
+                  <a:schemeClr val="bg1"/>
+                </a:solidFill>
+              </a:rPr>
+              <a:t>活动图</a:t>
+            </a:r>
           </a:p>
         </p:txBody>
       </p:sp>
@@ -8602,48 +7462,6 @@
           </p:txBody>
         </p:sp>
       </p:grpSp>
-      <p:sp>
-        <p:nvSpPr>
-          <p:cNvPr id="15" name="文本框 14"/>
-          <p:cNvSpPr txBox="1"/>
-          <p:nvPr/>
-        </p:nvSpPr>
-        <p:spPr>
-          <a:xfrm>
-            <a:off x="7898859" y="4562273"/>
-            <a:ext cx="3190672" cy="369332"/>
-          </a:xfrm>
-          <a:prstGeom prst="rect">
-            <a:avLst/>
-          </a:prstGeom>
-          <a:noFill/>
-        </p:spPr>
-        <p:txBody>
-          <a:bodyPr wrap="square" rtlCol="0">
-            <a:spAutoFit/>
-          </a:bodyPr>
-          <a:lstStyle/>
-          <a:p>
-            <a:r>
-              <a:rPr lang="en-US" altLang="zh-CN" b="1" dirty="0" smtClean="0">
-                <a:solidFill>
-                  <a:schemeClr val="bg1"/>
-                </a:solidFill>
-              </a:rPr>
-              <a:t>------</a:t>
-            </a:r>
-            <a:r>
-              <a:rPr lang="zh-CN" altLang="en-US" b="1" dirty="0" smtClean="0">
-                <a:solidFill>
-                  <a:schemeClr val="bg1"/>
-                </a:solidFill>
-              </a:rPr>
-              <a:t>活动图</a:t>
-            </a:r>
-            <a:endParaRPr lang="zh-CN" altLang="en-US" dirty="0"/>
-          </a:p>
-        </p:txBody>
-      </p:sp>
     </p:spTree>
     <p:extLst>
       <p:ext uri="{BB962C8B-B14F-4D97-AF65-F5344CB8AC3E}">
@@ -8657,13 +7475,6 @@
   <p:transition spd="slow">
     <p:wipe/>
   </p:transition>
-  <p:timing>
-    <p:tnLst>
-      <p:par>
-        <p:cTn id="1" dur="indefinite" restart="never" nodeType="tmRoot"/>
-      </p:par>
-    </p:tnLst>
-  </p:timing>
 </p:sld>
 </file>
 
@@ -8893,7 +7704,7 @@
           <a:lstStyle/>
           <a:p>
             <a:r>
-              <a:rPr lang="zh-CN" altLang="en-US" sz="3600" b="1" dirty="0" smtClean="0">
+              <a:rPr lang="zh-CN" altLang="en-US" sz="3600" b="1" dirty="0">
                 <a:solidFill>
                   <a:schemeClr val="bg1"/>
                 </a:solidFill>
@@ -8917,13 +7728,6 @@
   <p:transition spd="slow">
     <p:wipe/>
   </p:transition>
-  <p:timing>
-    <p:tnLst>
-      <p:par>
-        <p:cTn id="1" dur="indefinite" restart="never" nodeType="tmRoot"/>
-      </p:par>
-    </p:tnLst>
-  </p:timing>
 </p:sld>
 </file>
 
@@ -8952,8 +7756,8 @@
         </p:nvSpPr>
         <p:spPr>
           <a:xfrm>
-            <a:off x="3667268" y="2495188"/>
-            <a:ext cx="7691297" cy="1446550"/>
+            <a:off x="3816558" y="2147604"/>
+            <a:ext cx="7691297" cy="2554545"/>
           </a:xfrm>
           <a:prstGeom prst="rect">
             <a:avLst/>
@@ -8967,26 +7771,23 @@
           <a:lstStyle/>
           <a:p>
             <a:r>
-              <a:rPr lang="en-US" altLang="zh-CN" sz="8800" b="1" dirty="0" smtClean="0">
+              <a:rPr lang="en-US" altLang="zh-CN" sz="8800" b="1" dirty="0">
                 <a:solidFill>
                   <a:schemeClr val="bg1"/>
                 </a:solidFill>
               </a:rPr>
-              <a:t>Part </a:t>
+              <a:t>Part three</a:t>
             </a:r>
+          </a:p>
+          <a:p>
             <a:r>
-              <a:rPr lang="zh-CN" altLang="en-US" sz="8800" b="1" dirty="0" smtClean="0">
+              <a:rPr lang="zh-CN" altLang="en-US" sz="7200" b="1" dirty="0">
                 <a:solidFill>
                   <a:schemeClr val="bg1"/>
                 </a:solidFill>
               </a:rPr>
-              <a:t>？？？</a:t>
+              <a:t>超文本访问模型</a:t>
             </a:r>
-            <a:endParaRPr lang="zh-CN" altLang="en-US" sz="8800" b="1" dirty="0">
-              <a:solidFill>
-                <a:schemeClr val="bg1"/>
-              </a:solidFill>
-            </a:endParaRPr>
           </a:p>
         </p:txBody>
       </p:sp>
@@ -9422,48 +8223,6 @@
           </p:txBody>
         </p:sp>
       </p:grpSp>
-      <p:sp>
-        <p:nvSpPr>
-          <p:cNvPr id="15" name="文本框 14"/>
-          <p:cNvSpPr txBox="1"/>
-          <p:nvPr/>
-        </p:nvSpPr>
-        <p:spPr>
-          <a:xfrm>
-            <a:off x="7898859" y="4562273"/>
-            <a:ext cx="3190672" cy="369332"/>
-          </a:xfrm>
-          <a:prstGeom prst="rect">
-            <a:avLst/>
-          </a:prstGeom>
-          <a:noFill/>
-        </p:spPr>
-        <p:txBody>
-          <a:bodyPr wrap="square" rtlCol="0">
-            <a:spAutoFit/>
-          </a:bodyPr>
-          <a:lstStyle/>
-          <a:p>
-            <a:r>
-              <a:rPr lang="en-US" altLang="zh-CN" b="1" dirty="0" smtClean="0">
-                <a:solidFill>
-                  <a:schemeClr val="bg1"/>
-                </a:solidFill>
-              </a:rPr>
-              <a:t>------</a:t>
-            </a:r>
-            <a:r>
-              <a:rPr lang="zh-CN" altLang="en-US" b="1" dirty="0" smtClean="0">
-                <a:solidFill>
-                  <a:schemeClr val="bg1"/>
-                </a:solidFill>
-              </a:rPr>
-              <a:t>超文本访问模型</a:t>
-            </a:r>
-            <a:endParaRPr lang="zh-CN" altLang="en-US" dirty="0"/>
-          </a:p>
-        </p:txBody>
-      </p:sp>
     </p:spTree>
     <p:extLst>
       <p:ext uri="{BB962C8B-B14F-4D97-AF65-F5344CB8AC3E}">
@@ -9477,13 +8236,6 @@
   <p:transition spd="slow">
     <p:wipe/>
   </p:transition>
-  <p:timing>
-    <p:tnLst>
-      <p:par>
-        <p:cTn id="1" dur="indefinite" restart="never" nodeType="tmRoot"/>
-      </p:par>
-    </p:tnLst>
-  </p:timing>
 </p:sld>
 </file>
 
@@ -9683,7 +8435,7 @@
           <a:lstStyle/>
           <a:p>
             <a:r>
-              <a:rPr lang="zh-CN" altLang="en-US" sz="3600" b="1" dirty="0" smtClean="0">
+              <a:rPr lang="zh-CN" altLang="en-US" sz="3600" b="1" dirty="0">
                 <a:solidFill>
                   <a:schemeClr val="bg1"/>
                 </a:solidFill>
@@ -9737,13 +8489,6 @@
   <p:transition spd="slow">
     <p:wipe/>
   </p:transition>
-  <p:timing>
-    <p:tnLst>
-      <p:par>
-        <p:cTn id="1" dur="indefinite" restart="never" nodeType="tmRoot"/>
-      </p:par>
-    </p:tnLst>
-  </p:timing>
 </p:sld>
 </file>
 
@@ -9792,38 +8537,17 @@
                   <a:schemeClr val="bg1"/>
                 </a:solidFill>
               </a:rPr>
-              <a:t>Part </a:t>
+              <a:t>Part four</a:t>
             </a:r>
-            <a:r>
-              <a:rPr lang="en-US" altLang="zh-CN" sz="8800" b="1" dirty="0" smtClean="0">
-                <a:solidFill>
-                  <a:schemeClr val="bg1"/>
-                </a:solidFill>
-              </a:rPr>
-              <a:t>three</a:t>
-            </a:r>
-            <a:endParaRPr lang="en-US" altLang="zh-CN" sz="8800" b="1" dirty="0">
-              <a:solidFill>
-                <a:schemeClr val="bg1"/>
-              </a:solidFill>
-            </a:endParaRPr>
-          </a:p>
-          <a:p>
-            <a:r>
-              <a:rPr lang="zh-CN" altLang="en-US" sz="6600" b="1" dirty="0" smtClean="0">
-                <a:solidFill>
-                  <a:schemeClr val="bg1"/>
-                </a:solidFill>
-              </a:rPr>
-              <a:t>内容建模</a:t>
-            </a:r>
+          </a:p>
+          <a:p>
             <a:r>
               <a:rPr lang="zh-CN" altLang="en-US" sz="6600" b="1" dirty="0">
                 <a:solidFill>
                   <a:schemeClr val="bg1"/>
                 </a:solidFill>
               </a:rPr>
-              <a:t>：</a:t>
+              <a:t>内容建模：</a:t>
             </a:r>
             <a:endParaRPr lang="en-US" altLang="zh-CN" sz="6600" b="1" dirty="0">
               <a:solidFill>
@@ -9833,18 +8557,13 @@
           </a:p>
           <a:p>
             <a:r>
-              <a:rPr lang="zh-CN" altLang="en-US" sz="6600" b="1" dirty="0" smtClean="0">
+              <a:rPr lang="zh-CN" altLang="en-US" sz="6600" b="1" dirty="0">
                 <a:solidFill>
                   <a:schemeClr val="bg1"/>
                 </a:solidFill>
               </a:rPr>
               <a:t>类图及状态图</a:t>
             </a:r>
-            <a:endParaRPr lang="zh-CN" altLang="en-US" sz="6600" b="1" dirty="0">
-              <a:solidFill>
-                <a:schemeClr val="bg1"/>
-              </a:solidFill>
-            </a:endParaRPr>
           </a:p>
           <a:p>
             <a:endParaRPr lang="en-US" altLang="zh-CN" sz="8800" b="1" dirty="0">
@@ -9864,28 +8583,28 @@
       </p:sp>
       <p:grpSp>
         <p:nvGrpSpPr>
-          <p:cNvPr id="7" name="组合 6"/>
+          <p:cNvPr id="16" name="组合 15"/>
           <p:cNvGrpSpPr/>
           <p:nvPr/>
         </p:nvGrpSpPr>
         <p:grpSpPr>
           <a:xfrm rot="19068014">
-            <a:off x="1556870" y="2221074"/>
-            <a:ext cx="1957812" cy="2144454"/>
-            <a:chOff x="10141891" y="-883067"/>
-            <a:chExt cx="2652736" cy="2905631"/>
+            <a:off x="2085019" y="2656217"/>
+            <a:ext cx="1642380" cy="1627979"/>
+            <a:chOff x="10347882" y="-30989"/>
+            <a:chExt cx="2225341" cy="2205837"/>
           </a:xfrm>
         </p:grpSpPr>
         <p:sp>
           <p:nvSpPr>
-            <p:cNvPr id="8" name="矩形 7"/>
+            <p:cNvPr id="17" name="矩形 16"/>
             <p:cNvSpPr/>
             <p:nvPr/>
           </p:nvSpPr>
           <p:spPr>
-            <a:xfrm>
-              <a:off x="12394716" y="133432"/>
-              <a:ext cx="399911" cy="492961"/>
+            <a:xfrm rot="2531986">
+              <a:off x="12080816" y="125864"/>
+              <a:ext cx="492407" cy="492408"/>
             </a:xfrm>
             <a:prstGeom prst="rect">
               <a:avLst/>
@@ -9918,20 +8637,66 @@
             <a:lstStyle/>
             <a:p>
               <a:pPr algn="ctr"/>
-              <a:endParaRPr lang="zh-CN" altLang="en-US" sz="1600"/>
+              <a:endParaRPr lang="zh-CN" altLang="en-US"/>
             </a:p>
           </p:txBody>
         </p:sp>
         <p:sp>
           <p:nvSpPr>
-            <p:cNvPr id="9" name="矩形 8"/>
+            <p:cNvPr id="20" name="矩形 19"/>
             <p:cNvSpPr/>
             <p:nvPr/>
           </p:nvSpPr>
           <p:spPr>
-            <a:xfrm>
-              <a:off x="11945323" y="-178135"/>
-              <a:ext cx="492405" cy="492407"/>
+            <a:xfrm rot="2724046">
+              <a:off x="10635390" y="924815"/>
+              <a:ext cx="492406" cy="492406"/>
+            </a:xfrm>
+            <a:prstGeom prst="rect">
+              <a:avLst/>
+            </a:prstGeom>
+            <a:noFill/>
+            <a:ln w="38100">
+              <a:solidFill>
+                <a:schemeClr val="accent6"/>
+              </a:solidFill>
+            </a:ln>
+          </p:spPr>
+          <p:style>
+            <a:lnRef idx="2">
+              <a:schemeClr val="accent1">
+                <a:shade val="50000"/>
+              </a:schemeClr>
+            </a:lnRef>
+            <a:fillRef idx="1">
+              <a:schemeClr val="accent1"/>
+            </a:fillRef>
+            <a:effectRef idx="0">
+              <a:schemeClr val="accent1"/>
+            </a:effectRef>
+            <a:fontRef idx="minor">
+              <a:schemeClr val="lt1"/>
+            </a:fontRef>
+          </p:style>
+          <p:txBody>
+            <a:bodyPr rtlCol="0" anchor="ctr"/>
+            <a:lstStyle/>
+            <a:p>
+              <a:pPr algn="ctr"/>
+              <a:endParaRPr lang="zh-CN" altLang="en-US"/>
+            </a:p>
+          </p:txBody>
+        </p:sp>
+        <p:sp>
+          <p:nvSpPr>
+            <p:cNvPr id="21" name="矩形 20"/>
+            <p:cNvSpPr/>
+            <p:nvPr/>
+          </p:nvSpPr>
+          <p:spPr>
+            <a:xfrm rot="20566418">
+              <a:off x="12021416" y="-30989"/>
+              <a:ext cx="492407" cy="492406"/>
             </a:xfrm>
             <a:prstGeom prst="rect">
               <a:avLst/>
@@ -9967,20 +8732,20 @@
             <a:lstStyle/>
             <a:p>
               <a:pPr algn="ctr"/>
-              <a:endParaRPr lang="zh-CN" altLang="en-US" sz="1600"/>
+              <a:endParaRPr lang="zh-CN" altLang="en-US"/>
             </a:p>
           </p:txBody>
         </p:sp>
         <p:sp>
           <p:nvSpPr>
-            <p:cNvPr id="10" name="矩形 9"/>
+            <p:cNvPr id="22" name="矩形 21"/>
             <p:cNvSpPr/>
             <p:nvPr/>
           </p:nvSpPr>
           <p:spPr>
-            <a:xfrm>
-              <a:off x="11181847" y="-197920"/>
-              <a:ext cx="492406" cy="492407"/>
+            <a:xfrm rot="2531986">
+              <a:off x="11750446" y="500619"/>
+              <a:ext cx="492407" cy="492408"/>
             </a:xfrm>
             <a:prstGeom prst="rect">
               <a:avLst/>
@@ -9988,7 +8753,10 @@
             <a:noFill/>
             <a:ln w="38100">
               <a:solidFill>
-                <a:schemeClr val="accent4"/>
+                <a:schemeClr val="tx2">
+                  <a:lumMod val="60000"/>
+                  <a:lumOff val="40000"/>
+                </a:schemeClr>
               </a:solidFill>
             </a:ln>
           </p:spPr>
@@ -10013,20 +8781,211 @@
             <a:lstStyle/>
             <a:p>
               <a:pPr algn="ctr"/>
-              <a:endParaRPr lang="zh-CN" altLang="en-US" sz="1600"/>
+              <a:endParaRPr lang="zh-CN" altLang="en-US"/>
             </a:p>
           </p:txBody>
         </p:sp>
         <p:sp>
           <p:nvSpPr>
-            <p:cNvPr id="11" name="矩形 10"/>
+            <p:cNvPr id="23" name="矩形 22"/>
             <p:cNvSpPr/>
             <p:nvPr/>
           </p:nvSpPr>
           <p:spPr>
-            <a:xfrm>
-              <a:off x="11775612" y="-883067"/>
-              <a:ext cx="492407" cy="492407"/>
+            <a:xfrm rot="2531986">
+              <a:off x="11372901" y="906597"/>
+              <a:ext cx="492407" cy="492408"/>
+            </a:xfrm>
+            <a:prstGeom prst="rect">
+              <a:avLst/>
+            </a:prstGeom>
+            <a:noFill/>
+            <a:ln w="38100">
+              <a:solidFill>
+                <a:schemeClr val="accent3"/>
+              </a:solidFill>
+            </a:ln>
+          </p:spPr>
+          <p:style>
+            <a:lnRef idx="2">
+              <a:schemeClr val="accent1">
+                <a:shade val="50000"/>
+              </a:schemeClr>
+            </a:lnRef>
+            <a:fillRef idx="1">
+              <a:schemeClr val="accent1"/>
+            </a:fillRef>
+            <a:effectRef idx="0">
+              <a:schemeClr val="accent1"/>
+            </a:effectRef>
+            <a:fontRef idx="minor">
+              <a:schemeClr val="lt1"/>
+            </a:fontRef>
+          </p:style>
+          <p:txBody>
+            <a:bodyPr rtlCol="0" anchor="ctr"/>
+            <a:lstStyle/>
+            <a:p>
+              <a:pPr algn="ctr"/>
+              <a:endParaRPr lang="en-US" altLang="zh-CN" dirty="0"/>
+            </a:p>
+            <a:p>
+              <a:pPr algn="ctr"/>
+              <a:endParaRPr lang="zh-CN" altLang="en-US" dirty="0"/>
+            </a:p>
+          </p:txBody>
+        </p:sp>
+        <p:sp>
+          <p:nvSpPr>
+            <p:cNvPr id="24" name="矩形 23"/>
+            <p:cNvSpPr/>
+            <p:nvPr/>
+          </p:nvSpPr>
+          <p:spPr>
+            <a:xfrm rot="2531986">
+              <a:off x="10997580" y="1287862"/>
+              <a:ext cx="492407" cy="492408"/>
+            </a:xfrm>
+            <a:prstGeom prst="rect">
+              <a:avLst/>
+            </a:prstGeom>
+            <a:noFill/>
+            <a:ln w="38100">
+              <a:solidFill>
+                <a:schemeClr val="accent3"/>
+              </a:solidFill>
+            </a:ln>
+          </p:spPr>
+          <p:style>
+            <a:lnRef idx="2">
+              <a:schemeClr val="accent1">
+                <a:shade val="50000"/>
+              </a:schemeClr>
+            </a:lnRef>
+            <a:fillRef idx="1">
+              <a:schemeClr val="accent1"/>
+            </a:fillRef>
+            <a:effectRef idx="0">
+              <a:schemeClr val="accent1"/>
+            </a:effectRef>
+            <a:fontRef idx="minor">
+              <a:schemeClr val="lt1"/>
+            </a:fontRef>
+          </p:style>
+          <p:txBody>
+            <a:bodyPr rtlCol="0" anchor="ctr"/>
+            <a:lstStyle/>
+            <a:p>
+              <a:pPr algn="ctr"/>
+              <a:endParaRPr lang="zh-CN" altLang="en-US"/>
+            </a:p>
+          </p:txBody>
+        </p:sp>
+        <p:sp>
+          <p:nvSpPr>
+            <p:cNvPr id="25" name="矩形 24"/>
+            <p:cNvSpPr/>
+            <p:nvPr/>
+          </p:nvSpPr>
+          <p:spPr>
+            <a:xfrm rot="2531986">
+              <a:off x="10667681" y="1682440"/>
+              <a:ext cx="492407" cy="492408"/>
+            </a:xfrm>
+            <a:prstGeom prst="rect">
+              <a:avLst/>
+            </a:prstGeom>
+            <a:noFill/>
+            <a:ln w="38100">
+              <a:solidFill>
+                <a:schemeClr val="accent3"/>
+              </a:solidFill>
+            </a:ln>
+          </p:spPr>
+          <p:style>
+            <a:lnRef idx="2">
+              <a:schemeClr val="accent1">
+                <a:shade val="50000"/>
+              </a:schemeClr>
+            </a:lnRef>
+            <a:fillRef idx="1">
+              <a:schemeClr val="accent1"/>
+            </a:fillRef>
+            <a:effectRef idx="0">
+              <a:schemeClr val="accent1"/>
+            </a:effectRef>
+            <a:fontRef idx="minor">
+              <a:schemeClr val="lt1"/>
+            </a:fontRef>
+          </p:style>
+          <p:txBody>
+            <a:bodyPr rtlCol="0" anchor="ctr"/>
+            <a:lstStyle/>
+            <a:p>
+              <a:pPr algn="ctr"/>
+              <a:endParaRPr lang="zh-CN" altLang="en-US"/>
+            </a:p>
+          </p:txBody>
+        </p:sp>
+        <p:sp>
+          <p:nvSpPr>
+            <p:cNvPr id="26" name="矩形 25"/>
+            <p:cNvSpPr/>
+            <p:nvPr/>
+          </p:nvSpPr>
+          <p:spPr>
+            <a:xfrm rot="2531986">
+              <a:off x="11410773" y="1624448"/>
+              <a:ext cx="492405" cy="492408"/>
+            </a:xfrm>
+            <a:prstGeom prst="rect">
+              <a:avLst/>
+            </a:prstGeom>
+            <a:noFill/>
+            <a:ln w="38100">
+              <a:solidFill>
+                <a:schemeClr val="tx2">
+                  <a:lumMod val="60000"/>
+                  <a:lumOff val="40000"/>
+                </a:schemeClr>
+              </a:solidFill>
+            </a:ln>
+          </p:spPr>
+          <p:style>
+            <a:lnRef idx="2">
+              <a:schemeClr val="accent1">
+                <a:shade val="50000"/>
+              </a:schemeClr>
+            </a:lnRef>
+            <a:fillRef idx="1">
+              <a:schemeClr val="accent1"/>
+            </a:fillRef>
+            <a:effectRef idx="0">
+              <a:schemeClr val="accent1"/>
+            </a:effectRef>
+            <a:fontRef idx="minor">
+              <a:schemeClr val="lt1"/>
+            </a:fontRef>
+          </p:style>
+          <p:txBody>
+            <a:bodyPr rtlCol="0" anchor="ctr"/>
+            <a:lstStyle/>
+            <a:p>
+              <a:pPr algn="ctr"/>
+              <a:endParaRPr lang="zh-CN" altLang="en-US"/>
+            </a:p>
+          </p:txBody>
+        </p:sp>
+        <p:sp>
+          <p:nvSpPr>
+            <p:cNvPr id="27" name="矩形 26"/>
+            <p:cNvSpPr/>
+            <p:nvPr/>
+          </p:nvSpPr>
+          <p:spPr>
+            <a:xfrm rot="2531986">
+              <a:off x="11015251" y="1264071"/>
+              <a:ext cx="492405" cy="492408"/>
             </a:xfrm>
             <a:prstGeom prst="rect">
               <a:avLst/>
@@ -10059,66 +9018,20 @@
             <a:lstStyle/>
             <a:p>
               <a:pPr algn="ctr"/>
-              <a:endParaRPr lang="zh-CN" altLang="en-US" sz="1600" dirty="0"/>
+              <a:endParaRPr lang="zh-CN" altLang="en-US"/>
             </a:p>
           </p:txBody>
         </p:sp>
         <p:sp>
           <p:nvSpPr>
-            <p:cNvPr id="12" name="矩形 11"/>
+            <p:cNvPr id="28" name="矩形 27"/>
             <p:cNvSpPr/>
             <p:nvPr/>
           </p:nvSpPr>
           <p:spPr>
-            <a:xfrm>
-              <a:off x="11343074" y="734042"/>
-              <a:ext cx="492406" cy="492407"/>
-            </a:xfrm>
-            <a:prstGeom prst="rect">
-              <a:avLst/>
-            </a:prstGeom>
-            <a:noFill/>
-            <a:ln w="38100">
-              <a:solidFill>
-                <a:schemeClr val="accent4"/>
-              </a:solidFill>
-            </a:ln>
-          </p:spPr>
-          <p:style>
-            <a:lnRef idx="2">
-              <a:schemeClr val="accent1">
-                <a:shade val="50000"/>
-              </a:schemeClr>
-            </a:lnRef>
-            <a:fillRef idx="1">
-              <a:schemeClr val="accent1"/>
-            </a:fillRef>
-            <a:effectRef idx="0">
-              <a:schemeClr val="accent1"/>
-            </a:effectRef>
-            <a:fontRef idx="minor">
-              <a:schemeClr val="lt1"/>
-            </a:fontRef>
-          </p:style>
-          <p:txBody>
-            <a:bodyPr rtlCol="0" anchor="ctr"/>
-            <a:lstStyle/>
-            <a:p>
-              <a:pPr algn="ctr"/>
-              <a:endParaRPr lang="zh-CN" altLang="en-US" sz="1600"/>
-            </a:p>
-          </p:txBody>
-        </p:sp>
-        <p:sp>
-          <p:nvSpPr>
-            <p:cNvPr id="13" name="矩形 12"/>
-            <p:cNvSpPr/>
-            <p:nvPr/>
-          </p:nvSpPr>
-          <p:spPr>
-            <a:xfrm>
-              <a:off x="10828124" y="303104"/>
-              <a:ext cx="492406" cy="492407"/>
+            <a:xfrm rot="20566418">
+              <a:off x="11550229" y="105779"/>
+              <a:ext cx="492408" cy="492406"/>
             </a:xfrm>
             <a:prstGeom prst="rect">
               <a:avLst/>
@@ -10151,20 +9064,20 @@
             <a:lstStyle/>
             <a:p>
               <a:pPr algn="ctr"/>
-              <a:endParaRPr lang="zh-CN" altLang="en-US" sz="1600"/>
+              <a:endParaRPr lang="zh-CN" altLang="en-US"/>
             </a:p>
           </p:txBody>
         </p:sp>
         <p:sp>
           <p:nvSpPr>
-            <p:cNvPr id="14" name="矩形 13"/>
+            <p:cNvPr id="29" name="矩形 28"/>
             <p:cNvSpPr/>
             <p:nvPr/>
           </p:nvSpPr>
           <p:spPr>
-            <a:xfrm>
-              <a:off x="10141891" y="949004"/>
-              <a:ext cx="492408" cy="492407"/>
+            <a:xfrm rot="20566418">
+              <a:off x="11037639" y="259414"/>
+              <a:ext cx="492408" cy="492406"/>
             </a:xfrm>
             <a:prstGeom prst="rect">
               <a:avLst/>
@@ -10172,7 +9085,10 @@
             <a:noFill/>
             <a:ln w="38100">
               <a:solidFill>
-                <a:schemeClr val="accent3"/>
+                <a:schemeClr val="tx2">
+                  <a:lumMod val="60000"/>
+                  <a:lumOff val="40000"/>
+                </a:schemeClr>
               </a:solidFill>
             </a:ln>
           </p:spPr>
@@ -10197,20 +9113,20 @@
             <a:lstStyle/>
             <a:p>
               <a:pPr algn="ctr"/>
-              <a:endParaRPr lang="zh-CN" altLang="en-US" sz="1600"/>
+              <a:endParaRPr lang="zh-CN" altLang="en-US"/>
             </a:p>
           </p:txBody>
         </p:sp>
         <p:sp>
           <p:nvSpPr>
-            <p:cNvPr id="18" name="矩形 17"/>
+            <p:cNvPr id="30" name="矩形 29"/>
             <p:cNvSpPr/>
             <p:nvPr/>
           </p:nvSpPr>
           <p:spPr>
-            <a:xfrm>
-              <a:off x="10675266" y="1483202"/>
-              <a:ext cx="492408" cy="492407"/>
+            <a:xfrm rot="20566418">
+              <a:off x="10566684" y="398155"/>
+              <a:ext cx="492408" cy="492406"/>
             </a:xfrm>
             <a:prstGeom prst="rect">
               <a:avLst/>
@@ -10243,20 +9159,20 @@
             <a:lstStyle/>
             <a:p>
               <a:pPr algn="ctr"/>
-              <a:endParaRPr lang="zh-CN" altLang="en-US" sz="1600"/>
+              <a:endParaRPr lang="zh-CN" altLang="en-US"/>
             </a:p>
           </p:txBody>
         </p:sp>
         <p:sp>
           <p:nvSpPr>
-            <p:cNvPr id="19" name="矩形 18"/>
+            <p:cNvPr id="31" name="矩形 30"/>
             <p:cNvSpPr/>
             <p:nvPr/>
           </p:nvSpPr>
           <p:spPr>
-            <a:xfrm>
-              <a:off x="11382154" y="1530157"/>
-              <a:ext cx="492408" cy="492407"/>
+            <a:xfrm rot="21550213">
+              <a:off x="10347882" y="587258"/>
+              <a:ext cx="492407" cy="492406"/>
             </a:xfrm>
             <a:prstGeom prst="rect">
               <a:avLst/>
@@ -10264,7 +9180,10 @@
             <a:noFill/>
             <a:ln w="38100">
               <a:solidFill>
-                <a:schemeClr val="accent3"/>
+                <a:schemeClr val="tx2">
+                  <a:lumMod val="60000"/>
+                  <a:lumOff val="40000"/>
+                </a:schemeClr>
               </a:solidFill>
             </a:ln>
           </p:spPr>
@@ -10289,58 +9208,17 @@
             <a:lstStyle/>
             <a:p>
               <a:pPr algn="ctr"/>
-              <a:endParaRPr lang="zh-CN" altLang="en-US" sz="1600"/>
+              <a:endParaRPr lang="zh-CN" altLang="en-US"/>
             </a:p>
           </p:txBody>
         </p:sp>
       </p:grpSp>
-      <p:sp>
-        <p:nvSpPr>
-          <p:cNvPr id="15" name="矩形 14"/>
-          <p:cNvSpPr/>
-          <p:nvPr/>
-        </p:nvSpPr>
-        <p:spPr>
-          <a:xfrm rot="19068014">
-            <a:off x="2141973" y="2502488"/>
-            <a:ext cx="356825" cy="292096"/>
-          </a:xfrm>
-          <a:prstGeom prst="rect">
-            <a:avLst/>
-          </a:prstGeom>
-          <a:noFill/>
-          <a:ln w="38100">
-            <a:solidFill>
-              <a:srgbClr val="00B0F0"/>
-            </a:solidFill>
-          </a:ln>
-        </p:spPr>
-        <p:style>
-          <a:lnRef idx="2">
-            <a:schemeClr val="accent1">
-              <a:shade val="50000"/>
-            </a:schemeClr>
-          </a:lnRef>
-          <a:fillRef idx="1">
-            <a:schemeClr val="accent1"/>
-          </a:fillRef>
-          <a:effectRef idx="0">
-            <a:schemeClr val="accent1"/>
-          </a:effectRef>
-          <a:fontRef idx="minor">
-            <a:schemeClr val="lt1"/>
-          </a:fontRef>
-        </p:style>
-        <p:txBody>
-          <a:bodyPr rtlCol="0" anchor="ctr"/>
-          <a:lstStyle/>
-          <a:p>
-            <a:pPr algn="ctr"/>
-            <a:endParaRPr lang="zh-CN" altLang="en-US" sz="1600" dirty="0"/>
-          </a:p>
-        </p:txBody>
-      </p:sp>
     </p:spTree>
+    <p:extLst>
+      <p:ext uri="{BB962C8B-B14F-4D97-AF65-F5344CB8AC3E}">
+        <p14:creationId xmlns:p14="http://schemas.microsoft.com/office/powerpoint/2010/main" val="2428456380"/>
+      </p:ext>
+    </p:extLst>
   </p:cSld>
   <p:clrMapOvr>
     <a:masterClrMapping/>
@@ -10547,18 +9425,13 @@
           <a:lstStyle/>
           <a:p>
             <a:r>
-              <a:rPr lang="zh-CN" altLang="en-US" sz="4000" b="1" dirty="0" smtClean="0">
+              <a:rPr lang="zh-CN" altLang="en-US" sz="4000" b="1" dirty="0">
                 <a:solidFill>
                   <a:schemeClr val="bg1"/>
                 </a:solidFill>
               </a:rPr>
               <a:t>类图</a:t>
             </a:r>
-            <a:endParaRPr lang="zh-CN" altLang="en-US" sz="4000" b="1" dirty="0">
-              <a:solidFill>
-                <a:schemeClr val="bg1"/>
-              </a:solidFill>
-            </a:endParaRPr>
           </a:p>
         </p:txBody>
       </p:sp>
@@ -10593,6 +9466,11 @@
         </p:spPr>
       </p:pic>
     </p:spTree>
+    <p:extLst>
+      <p:ext uri="{BB962C8B-B14F-4D97-AF65-F5344CB8AC3E}">
+        <p14:creationId xmlns:p14="http://schemas.microsoft.com/office/powerpoint/2010/main" val="3472357938"/>
+      </p:ext>
+    </p:extLst>
   </p:cSld>
   <p:clrMapOvr>
     <a:masterClrMapping/>

--- a/docs/应用建模.pptx
+++ b/docs/应用建模.pptx
@@ -5,7 +5,7 @@
     <p:sldMasterId id="2147483648" r:id="rId1"/>
   </p:sldMasterIdLst>
   <p:notesMasterIdLst>
-    <p:notesMasterId r:id="rId18"/>
+    <p:notesMasterId r:id="rId21"/>
   </p:notesMasterIdLst>
   <p:sldIdLst>
     <p:sldId id="279" r:id="rId2"/>
@@ -24,6 +24,9 @@
     <p:sldId id="292" r:id="rId15"/>
     <p:sldId id="263" r:id="rId16"/>
     <p:sldId id="278" r:id="rId17"/>
+    <p:sldId id="293" r:id="rId18"/>
+    <p:sldId id="294" r:id="rId19"/>
+    <p:sldId id="295" r:id="rId20"/>
   </p:sldIdLst>
   <p:sldSz cx="12192000" cy="6858000"/>
   <p:notesSz cx="6858000" cy="9144000"/>
@@ -6339,8 +6342,8 @@
         </p:blipFill>
         <p:spPr>
           <a:xfrm>
-            <a:off x="2706898" y="1225239"/>
-            <a:ext cx="6437103" cy="5149682"/>
+            <a:off x="2579587" y="1195854"/>
+            <a:ext cx="6657146" cy="5325716"/>
           </a:xfrm>
           <a:prstGeom prst="rect">
             <a:avLst/>
@@ -6351,6 +6354,777 @@
     <p:extLst>
       <p:ext uri="{BB962C8B-B14F-4D97-AF65-F5344CB8AC3E}">
         <p14:creationId xmlns:p14="http://schemas.microsoft.com/office/powerpoint/2010/main" val="2221975425"/>
+      </p:ext>
+    </p:extLst>
+  </p:cSld>
+  <p:clrMapOvr>
+    <a:masterClrMapping/>
+  </p:clrMapOvr>
+  <p:transition spd="slow">
+    <p:wipe/>
+  </p:transition>
+</p:sld>
+</file>
+
+<file path=ppt/slides/slide17.xml><?xml version="1.0" encoding="utf-8"?>
+<p:sld xmlns:a="http://schemas.openxmlformats.org/drawingml/2006/main" xmlns:r="http://schemas.openxmlformats.org/officeDocument/2006/relationships" xmlns:p="http://schemas.openxmlformats.org/presentationml/2006/main">
+  <p:cSld>
+    <p:spTree>
+      <p:nvGrpSpPr>
+        <p:cNvPr id="1" name=""/>
+        <p:cNvGrpSpPr/>
+        <p:nvPr/>
+      </p:nvGrpSpPr>
+      <p:grpSpPr>
+        <a:xfrm>
+          <a:off x="0" y="0"/>
+          <a:ext cx="0" cy="0"/>
+          <a:chOff x="0" y="0"/>
+          <a:chExt cx="0" cy="0"/>
+        </a:xfrm>
+      </p:grpSpPr>
+      <p:grpSp>
+        <p:nvGrpSpPr>
+          <p:cNvPr id="5" name="组合 4"/>
+          <p:cNvGrpSpPr/>
+          <p:nvPr/>
+        </p:nvGrpSpPr>
+        <p:grpSpPr>
+          <a:xfrm>
+            <a:off x="11063181" y="0"/>
+            <a:ext cx="1128819" cy="1057472"/>
+            <a:chOff x="11063181" y="0"/>
+            <a:chExt cx="1128819" cy="1057472"/>
+          </a:xfrm>
+        </p:grpSpPr>
+        <p:sp>
+          <p:nvSpPr>
+            <p:cNvPr id="6" name="矩形 5"/>
+            <p:cNvSpPr/>
+            <p:nvPr/>
+          </p:nvSpPr>
+          <p:spPr>
+            <a:xfrm>
+              <a:off x="11381387" y="246204"/>
+              <a:ext cx="492407" cy="492407"/>
+            </a:xfrm>
+            <a:prstGeom prst="rect">
+              <a:avLst/>
+            </a:prstGeom>
+            <a:noFill/>
+            <a:ln w="38100">
+              <a:solidFill>
+                <a:srgbClr val="DA2B89"/>
+              </a:solidFill>
+            </a:ln>
+          </p:spPr>
+          <p:style>
+            <a:lnRef idx="2">
+              <a:schemeClr val="accent1">
+                <a:shade val="50000"/>
+              </a:schemeClr>
+            </a:lnRef>
+            <a:fillRef idx="1">
+              <a:schemeClr val="accent1"/>
+            </a:fillRef>
+            <a:effectRef idx="0">
+              <a:schemeClr val="accent1"/>
+            </a:effectRef>
+            <a:fontRef idx="minor">
+              <a:schemeClr val="lt1"/>
+            </a:fontRef>
+          </p:style>
+          <p:txBody>
+            <a:bodyPr rtlCol="0" anchor="ctr"/>
+            <a:lstStyle/>
+            <a:p>
+              <a:pPr algn="ctr"/>
+              <a:endParaRPr lang="zh-CN" altLang="en-US"/>
+            </a:p>
+          </p:txBody>
+        </p:sp>
+        <p:sp>
+          <p:nvSpPr>
+            <p:cNvPr id="7" name="矩形 6"/>
+            <p:cNvSpPr/>
+            <p:nvPr/>
+          </p:nvSpPr>
+          <p:spPr>
+            <a:xfrm>
+              <a:off x="11699593" y="0"/>
+              <a:ext cx="492407" cy="492407"/>
+            </a:xfrm>
+            <a:prstGeom prst="rect">
+              <a:avLst/>
+            </a:prstGeom>
+            <a:noFill/>
+            <a:ln w="38100">
+              <a:solidFill>
+                <a:schemeClr val="tx2">
+                  <a:lumMod val="60000"/>
+                  <a:lumOff val="40000"/>
+                </a:schemeClr>
+              </a:solidFill>
+            </a:ln>
+          </p:spPr>
+          <p:style>
+            <a:lnRef idx="2">
+              <a:schemeClr val="accent1">
+                <a:shade val="50000"/>
+              </a:schemeClr>
+            </a:lnRef>
+            <a:fillRef idx="1">
+              <a:schemeClr val="accent1"/>
+            </a:fillRef>
+            <a:effectRef idx="0">
+              <a:schemeClr val="accent1"/>
+            </a:effectRef>
+            <a:fontRef idx="minor">
+              <a:schemeClr val="lt1"/>
+            </a:fontRef>
+          </p:style>
+          <p:txBody>
+            <a:bodyPr rtlCol="0" anchor="ctr"/>
+            <a:lstStyle/>
+            <a:p>
+              <a:pPr algn="ctr"/>
+              <a:endParaRPr lang="zh-CN" altLang="en-US"/>
+            </a:p>
+          </p:txBody>
+        </p:sp>
+        <p:sp>
+          <p:nvSpPr>
+            <p:cNvPr id="9" name="矩形 8"/>
+            <p:cNvSpPr/>
+            <p:nvPr/>
+          </p:nvSpPr>
+          <p:spPr>
+            <a:xfrm>
+              <a:off x="11063181" y="565065"/>
+              <a:ext cx="492407" cy="492407"/>
+            </a:xfrm>
+            <a:prstGeom prst="rect">
+              <a:avLst/>
+            </a:prstGeom>
+            <a:noFill/>
+            <a:ln w="38100">
+              <a:solidFill>
+                <a:schemeClr val="accent6"/>
+              </a:solidFill>
+            </a:ln>
+          </p:spPr>
+          <p:style>
+            <a:lnRef idx="2">
+              <a:schemeClr val="accent1">
+                <a:shade val="50000"/>
+              </a:schemeClr>
+            </a:lnRef>
+            <a:fillRef idx="1">
+              <a:schemeClr val="accent1"/>
+            </a:fillRef>
+            <a:effectRef idx="0">
+              <a:schemeClr val="accent1"/>
+            </a:effectRef>
+            <a:fontRef idx="minor">
+              <a:schemeClr val="lt1"/>
+            </a:fontRef>
+          </p:style>
+          <p:txBody>
+            <a:bodyPr rtlCol="0" anchor="ctr"/>
+            <a:lstStyle/>
+            <a:p>
+              <a:pPr algn="ctr"/>
+              <a:endParaRPr lang="zh-CN" altLang="en-US"/>
+            </a:p>
+          </p:txBody>
+        </p:sp>
+      </p:grpSp>
+      <p:sp>
+        <p:nvSpPr>
+          <p:cNvPr id="12" name="文本框 11"/>
+          <p:cNvSpPr txBox="1"/>
+          <p:nvPr/>
+        </p:nvSpPr>
+        <p:spPr>
+          <a:xfrm>
+            <a:off x="2579587" y="349586"/>
+            <a:ext cx="6302207" cy="707886"/>
+          </a:xfrm>
+          <a:prstGeom prst="rect">
+            <a:avLst/>
+          </a:prstGeom>
+          <a:noFill/>
+        </p:spPr>
+        <p:txBody>
+          <a:bodyPr wrap="square" rtlCol="0">
+            <a:spAutoFit/>
+          </a:bodyPr>
+          <a:lstStyle/>
+          <a:p>
+            <a:r>
+              <a:rPr lang="zh-CN" altLang="en-US" sz="4000" b="1" dirty="0" smtClean="0">
+                <a:solidFill>
+                  <a:schemeClr val="bg1"/>
+                </a:solidFill>
+              </a:rPr>
+              <a:t>美食详情：</a:t>
+            </a:r>
+            <a:endParaRPr lang="zh-CN" altLang="en-US" sz="4000" b="1" dirty="0">
+              <a:solidFill>
+                <a:schemeClr val="bg1"/>
+              </a:solidFill>
+            </a:endParaRPr>
+          </a:p>
+        </p:txBody>
+      </p:sp>
+      <p:pic>
+        <p:nvPicPr>
+          <p:cNvPr id="3" name="图片 2"/>
+          <p:cNvPicPr>
+            <a:picLocks noChangeAspect="1"/>
+          </p:cNvPicPr>
+          <p:nvPr/>
+        </p:nvPicPr>
+        <p:blipFill>
+          <a:blip r:embed="rId2">
+            <a:extLst>
+              <a:ext uri="{28A0092B-C50C-407E-A947-70E740481C1C}">
+                <a14:useLocalDpi xmlns:a14="http://schemas.microsoft.com/office/drawing/2010/main" val="0"/>
+              </a:ext>
+            </a:extLst>
+          </a:blip>
+          <a:stretch>
+            <a:fillRect/>
+          </a:stretch>
+        </p:blipFill>
+        <p:spPr>
+          <a:xfrm>
+            <a:off x="3252034" y="1057472"/>
+            <a:ext cx="4586371" cy="5531233"/>
+          </a:xfrm>
+          <a:prstGeom prst="rect">
+            <a:avLst/>
+          </a:prstGeom>
+        </p:spPr>
+      </p:pic>
+    </p:spTree>
+    <p:extLst>
+      <p:ext uri="{BB962C8B-B14F-4D97-AF65-F5344CB8AC3E}">
+        <p14:creationId xmlns:p14="http://schemas.microsoft.com/office/powerpoint/2010/main" val="2118153949"/>
+      </p:ext>
+    </p:extLst>
+  </p:cSld>
+  <p:clrMapOvr>
+    <a:masterClrMapping/>
+  </p:clrMapOvr>
+  <p:transition spd="slow">
+    <p:wipe/>
+  </p:transition>
+</p:sld>
+</file>
+
+<file path=ppt/slides/slide18.xml><?xml version="1.0" encoding="utf-8"?>
+<p:sld xmlns:a="http://schemas.openxmlformats.org/drawingml/2006/main" xmlns:r="http://schemas.openxmlformats.org/officeDocument/2006/relationships" xmlns:p="http://schemas.openxmlformats.org/presentationml/2006/main">
+  <p:cSld>
+    <p:spTree>
+      <p:nvGrpSpPr>
+        <p:cNvPr id="1" name=""/>
+        <p:cNvGrpSpPr/>
+        <p:nvPr/>
+      </p:nvGrpSpPr>
+      <p:grpSpPr>
+        <a:xfrm>
+          <a:off x="0" y="0"/>
+          <a:ext cx="0" cy="0"/>
+          <a:chOff x="0" y="0"/>
+          <a:chExt cx="0" cy="0"/>
+        </a:xfrm>
+      </p:grpSpPr>
+      <p:grpSp>
+        <p:nvGrpSpPr>
+          <p:cNvPr id="5" name="组合 4"/>
+          <p:cNvGrpSpPr/>
+          <p:nvPr/>
+        </p:nvGrpSpPr>
+        <p:grpSpPr>
+          <a:xfrm>
+            <a:off x="11063181" y="0"/>
+            <a:ext cx="1128819" cy="1057472"/>
+            <a:chOff x="11063181" y="0"/>
+            <a:chExt cx="1128819" cy="1057472"/>
+          </a:xfrm>
+        </p:grpSpPr>
+        <p:sp>
+          <p:nvSpPr>
+            <p:cNvPr id="6" name="矩形 5"/>
+            <p:cNvSpPr/>
+            <p:nvPr/>
+          </p:nvSpPr>
+          <p:spPr>
+            <a:xfrm>
+              <a:off x="11381387" y="246204"/>
+              <a:ext cx="492407" cy="492407"/>
+            </a:xfrm>
+            <a:prstGeom prst="rect">
+              <a:avLst/>
+            </a:prstGeom>
+            <a:noFill/>
+            <a:ln w="38100">
+              <a:solidFill>
+                <a:srgbClr val="DA2B89"/>
+              </a:solidFill>
+            </a:ln>
+          </p:spPr>
+          <p:style>
+            <a:lnRef idx="2">
+              <a:schemeClr val="accent1">
+                <a:shade val="50000"/>
+              </a:schemeClr>
+            </a:lnRef>
+            <a:fillRef idx="1">
+              <a:schemeClr val="accent1"/>
+            </a:fillRef>
+            <a:effectRef idx="0">
+              <a:schemeClr val="accent1"/>
+            </a:effectRef>
+            <a:fontRef idx="minor">
+              <a:schemeClr val="lt1"/>
+            </a:fontRef>
+          </p:style>
+          <p:txBody>
+            <a:bodyPr rtlCol="0" anchor="ctr"/>
+            <a:lstStyle/>
+            <a:p>
+              <a:pPr algn="ctr"/>
+              <a:endParaRPr lang="zh-CN" altLang="en-US"/>
+            </a:p>
+          </p:txBody>
+        </p:sp>
+        <p:sp>
+          <p:nvSpPr>
+            <p:cNvPr id="7" name="矩形 6"/>
+            <p:cNvSpPr/>
+            <p:nvPr/>
+          </p:nvSpPr>
+          <p:spPr>
+            <a:xfrm>
+              <a:off x="11699593" y="0"/>
+              <a:ext cx="492407" cy="492407"/>
+            </a:xfrm>
+            <a:prstGeom prst="rect">
+              <a:avLst/>
+            </a:prstGeom>
+            <a:noFill/>
+            <a:ln w="38100">
+              <a:solidFill>
+                <a:schemeClr val="tx2">
+                  <a:lumMod val="60000"/>
+                  <a:lumOff val="40000"/>
+                </a:schemeClr>
+              </a:solidFill>
+            </a:ln>
+          </p:spPr>
+          <p:style>
+            <a:lnRef idx="2">
+              <a:schemeClr val="accent1">
+                <a:shade val="50000"/>
+              </a:schemeClr>
+            </a:lnRef>
+            <a:fillRef idx="1">
+              <a:schemeClr val="accent1"/>
+            </a:fillRef>
+            <a:effectRef idx="0">
+              <a:schemeClr val="accent1"/>
+            </a:effectRef>
+            <a:fontRef idx="minor">
+              <a:schemeClr val="lt1"/>
+            </a:fontRef>
+          </p:style>
+          <p:txBody>
+            <a:bodyPr rtlCol="0" anchor="ctr"/>
+            <a:lstStyle/>
+            <a:p>
+              <a:pPr algn="ctr"/>
+              <a:endParaRPr lang="zh-CN" altLang="en-US"/>
+            </a:p>
+          </p:txBody>
+        </p:sp>
+        <p:sp>
+          <p:nvSpPr>
+            <p:cNvPr id="9" name="矩形 8"/>
+            <p:cNvSpPr/>
+            <p:nvPr/>
+          </p:nvSpPr>
+          <p:spPr>
+            <a:xfrm>
+              <a:off x="11063181" y="565065"/>
+              <a:ext cx="492407" cy="492407"/>
+            </a:xfrm>
+            <a:prstGeom prst="rect">
+              <a:avLst/>
+            </a:prstGeom>
+            <a:noFill/>
+            <a:ln w="38100">
+              <a:solidFill>
+                <a:schemeClr val="accent6"/>
+              </a:solidFill>
+            </a:ln>
+          </p:spPr>
+          <p:style>
+            <a:lnRef idx="2">
+              <a:schemeClr val="accent1">
+                <a:shade val="50000"/>
+              </a:schemeClr>
+            </a:lnRef>
+            <a:fillRef idx="1">
+              <a:schemeClr val="accent1"/>
+            </a:fillRef>
+            <a:effectRef idx="0">
+              <a:schemeClr val="accent1"/>
+            </a:effectRef>
+            <a:fontRef idx="minor">
+              <a:schemeClr val="lt1"/>
+            </a:fontRef>
+          </p:style>
+          <p:txBody>
+            <a:bodyPr rtlCol="0" anchor="ctr"/>
+            <a:lstStyle/>
+            <a:p>
+              <a:pPr algn="ctr"/>
+              <a:endParaRPr lang="zh-CN" altLang="en-US"/>
+            </a:p>
+          </p:txBody>
+        </p:sp>
+      </p:grpSp>
+      <p:sp>
+        <p:nvSpPr>
+          <p:cNvPr id="12" name="文本框 11"/>
+          <p:cNvSpPr txBox="1"/>
+          <p:nvPr/>
+        </p:nvSpPr>
+        <p:spPr>
+          <a:xfrm>
+            <a:off x="2579587" y="349586"/>
+            <a:ext cx="6302207" cy="707886"/>
+          </a:xfrm>
+          <a:prstGeom prst="rect">
+            <a:avLst/>
+          </a:prstGeom>
+          <a:noFill/>
+        </p:spPr>
+        <p:txBody>
+          <a:bodyPr wrap="square" rtlCol="0">
+            <a:spAutoFit/>
+          </a:bodyPr>
+          <a:lstStyle/>
+          <a:p>
+            <a:r>
+              <a:rPr lang="zh-CN" altLang="en-US" sz="4000" b="1" dirty="0" smtClean="0">
+                <a:solidFill>
+                  <a:schemeClr val="bg1"/>
+                </a:solidFill>
+              </a:rPr>
+              <a:t>景点详情：</a:t>
+            </a:r>
+            <a:endParaRPr lang="zh-CN" altLang="en-US" sz="4000" b="1" dirty="0">
+              <a:solidFill>
+                <a:schemeClr val="bg1"/>
+              </a:solidFill>
+            </a:endParaRPr>
+          </a:p>
+        </p:txBody>
+      </p:sp>
+      <p:pic>
+        <p:nvPicPr>
+          <p:cNvPr id="2" name="图片 1"/>
+          <p:cNvPicPr>
+            <a:picLocks noChangeAspect="1"/>
+          </p:cNvPicPr>
+          <p:nvPr/>
+        </p:nvPicPr>
+        <p:blipFill>
+          <a:blip r:embed="rId2">
+            <a:extLst>
+              <a:ext uri="{28A0092B-C50C-407E-A947-70E740481C1C}">
+                <a14:useLocalDpi xmlns:a14="http://schemas.microsoft.com/office/drawing/2010/main" val="0"/>
+              </a:ext>
+            </a:extLst>
+          </a:blip>
+          <a:stretch>
+            <a:fillRect/>
+          </a:stretch>
+        </p:blipFill>
+        <p:spPr>
+          <a:xfrm>
+            <a:off x="3245527" y="1057472"/>
+            <a:ext cx="4590709" cy="5515754"/>
+          </a:xfrm>
+          <a:prstGeom prst="rect">
+            <a:avLst/>
+          </a:prstGeom>
+        </p:spPr>
+      </p:pic>
+    </p:spTree>
+    <p:extLst>
+      <p:ext uri="{BB962C8B-B14F-4D97-AF65-F5344CB8AC3E}">
+        <p14:creationId xmlns:p14="http://schemas.microsoft.com/office/powerpoint/2010/main" val="1254519066"/>
+      </p:ext>
+    </p:extLst>
+  </p:cSld>
+  <p:clrMapOvr>
+    <a:masterClrMapping/>
+  </p:clrMapOvr>
+  <p:transition spd="slow">
+    <p:wipe/>
+  </p:transition>
+</p:sld>
+</file>
+
+<file path=ppt/slides/slide19.xml><?xml version="1.0" encoding="utf-8"?>
+<p:sld xmlns:a="http://schemas.openxmlformats.org/drawingml/2006/main" xmlns:r="http://schemas.openxmlformats.org/officeDocument/2006/relationships" xmlns:p="http://schemas.openxmlformats.org/presentationml/2006/main">
+  <p:cSld>
+    <p:spTree>
+      <p:nvGrpSpPr>
+        <p:cNvPr id="1" name=""/>
+        <p:cNvGrpSpPr/>
+        <p:nvPr/>
+      </p:nvGrpSpPr>
+      <p:grpSpPr>
+        <a:xfrm>
+          <a:off x="0" y="0"/>
+          <a:ext cx="0" cy="0"/>
+          <a:chOff x="0" y="0"/>
+          <a:chExt cx="0" cy="0"/>
+        </a:xfrm>
+      </p:grpSpPr>
+      <p:grpSp>
+        <p:nvGrpSpPr>
+          <p:cNvPr id="5" name="组合 4"/>
+          <p:cNvGrpSpPr/>
+          <p:nvPr/>
+        </p:nvGrpSpPr>
+        <p:grpSpPr>
+          <a:xfrm>
+            <a:off x="11063181" y="0"/>
+            <a:ext cx="1128819" cy="1057472"/>
+            <a:chOff x="11063181" y="0"/>
+            <a:chExt cx="1128819" cy="1057472"/>
+          </a:xfrm>
+        </p:grpSpPr>
+        <p:sp>
+          <p:nvSpPr>
+            <p:cNvPr id="6" name="矩形 5"/>
+            <p:cNvSpPr/>
+            <p:nvPr/>
+          </p:nvSpPr>
+          <p:spPr>
+            <a:xfrm>
+              <a:off x="11381387" y="246204"/>
+              <a:ext cx="492407" cy="492407"/>
+            </a:xfrm>
+            <a:prstGeom prst="rect">
+              <a:avLst/>
+            </a:prstGeom>
+            <a:noFill/>
+            <a:ln w="38100">
+              <a:solidFill>
+                <a:srgbClr val="DA2B89"/>
+              </a:solidFill>
+            </a:ln>
+          </p:spPr>
+          <p:style>
+            <a:lnRef idx="2">
+              <a:schemeClr val="accent1">
+                <a:shade val="50000"/>
+              </a:schemeClr>
+            </a:lnRef>
+            <a:fillRef idx="1">
+              <a:schemeClr val="accent1"/>
+            </a:fillRef>
+            <a:effectRef idx="0">
+              <a:schemeClr val="accent1"/>
+            </a:effectRef>
+            <a:fontRef idx="minor">
+              <a:schemeClr val="lt1"/>
+            </a:fontRef>
+          </p:style>
+          <p:txBody>
+            <a:bodyPr rtlCol="0" anchor="ctr"/>
+            <a:lstStyle/>
+            <a:p>
+              <a:pPr algn="ctr"/>
+              <a:endParaRPr lang="zh-CN" altLang="en-US"/>
+            </a:p>
+          </p:txBody>
+        </p:sp>
+        <p:sp>
+          <p:nvSpPr>
+            <p:cNvPr id="7" name="矩形 6"/>
+            <p:cNvSpPr/>
+            <p:nvPr/>
+          </p:nvSpPr>
+          <p:spPr>
+            <a:xfrm>
+              <a:off x="11699593" y="0"/>
+              <a:ext cx="492407" cy="492407"/>
+            </a:xfrm>
+            <a:prstGeom prst="rect">
+              <a:avLst/>
+            </a:prstGeom>
+            <a:noFill/>
+            <a:ln w="38100">
+              <a:solidFill>
+                <a:schemeClr val="tx2">
+                  <a:lumMod val="60000"/>
+                  <a:lumOff val="40000"/>
+                </a:schemeClr>
+              </a:solidFill>
+            </a:ln>
+          </p:spPr>
+          <p:style>
+            <a:lnRef idx="2">
+              <a:schemeClr val="accent1">
+                <a:shade val="50000"/>
+              </a:schemeClr>
+            </a:lnRef>
+            <a:fillRef idx="1">
+              <a:schemeClr val="accent1"/>
+            </a:fillRef>
+            <a:effectRef idx="0">
+              <a:schemeClr val="accent1"/>
+            </a:effectRef>
+            <a:fontRef idx="minor">
+              <a:schemeClr val="lt1"/>
+            </a:fontRef>
+          </p:style>
+          <p:txBody>
+            <a:bodyPr rtlCol="0" anchor="ctr"/>
+            <a:lstStyle/>
+            <a:p>
+              <a:pPr algn="ctr"/>
+              <a:endParaRPr lang="zh-CN" altLang="en-US"/>
+            </a:p>
+          </p:txBody>
+        </p:sp>
+        <p:sp>
+          <p:nvSpPr>
+            <p:cNvPr id="9" name="矩形 8"/>
+            <p:cNvSpPr/>
+            <p:nvPr/>
+          </p:nvSpPr>
+          <p:spPr>
+            <a:xfrm>
+              <a:off x="11063181" y="565065"/>
+              <a:ext cx="492407" cy="492407"/>
+            </a:xfrm>
+            <a:prstGeom prst="rect">
+              <a:avLst/>
+            </a:prstGeom>
+            <a:noFill/>
+            <a:ln w="38100">
+              <a:solidFill>
+                <a:schemeClr val="accent6"/>
+              </a:solidFill>
+            </a:ln>
+          </p:spPr>
+          <p:style>
+            <a:lnRef idx="2">
+              <a:schemeClr val="accent1">
+                <a:shade val="50000"/>
+              </a:schemeClr>
+            </a:lnRef>
+            <a:fillRef idx="1">
+              <a:schemeClr val="accent1"/>
+            </a:fillRef>
+            <a:effectRef idx="0">
+              <a:schemeClr val="accent1"/>
+            </a:effectRef>
+            <a:fontRef idx="minor">
+              <a:schemeClr val="lt1"/>
+            </a:fontRef>
+          </p:style>
+          <p:txBody>
+            <a:bodyPr rtlCol="0" anchor="ctr"/>
+            <a:lstStyle/>
+            <a:p>
+              <a:pPr algn="ctr"/>
+              <a:endParaRPr lang="zh-CN" altLang="en-US"/>
+            </a:p>
+          </p:txBody>
+        </p:sp>
+      </p:grpSp>
+      <p:sp>
+        <p:nvSpPr>
+          <p:cNvPr id="12" name="文本框 11"/>
+          <p:cNvSpPr txBox="1"/>
+          <p:nvPr/>
+        </p:nvSpPr>
+        <p:spPr>
+          <a:xfrm>
+            <a:off x="2579587" y="349586"/>
+            <a:ext cx="6302207" cy="707886"/>
+          </a:xfrm>
+          <a:prstGeom prst="rect">
+            <a:avLst/>
+          </a:prstGeom>
+          <a:noFill/>
+        </p:spPr>
+        <p:txBody>
+          <a:bodyPr wrap="square" rtlCol="0">
+            <a:spAutoFit/>
+          </a:bodyPr>
+          <a:lstStyle/>
+          <a:p>
+            <a:r>
+              <a:rPr lang="zh-CN" altLang="en-US" sz="4000" b="1" dirty="0" smtClean="0">
+                <a:solidFill>
+                  <a:schemeClr val="bg1"/>
+                </a:solidFill>
+              </a:rPr>
+              <a:t>个人推荐：</a:t>
+            </a:r>
+            <a:endParaRPr lang="zh-CN" altLang="en-US" sz="4000" b="1" dirty="0">
+              <a:solidFill>
+                <a:schemeClr val="bg1"/>
+              </a:solidFill>
+            </a:endParaRPr>
+          </a:p>
+        </p:txBody>
+      </p:sp>
+      <p:pic>
+        <p:nvPicPr>
+          <p:cNvPr id="3" name="图片 2"/>
+          <p:cNvPicPr>
+            <a:picLocks noChangeAspect="1"/>
+          </p:cNvPicPr>
+          <p:nvPr/>
+        </p:nvPicPr>
+        <p:blipFill>
+          <a:blip r:embed="rId2">
+            <a:extLst>
+              <a:ext uri="{28A0092B-C50C-407E-A947-70E740481C1C}">
+                <a14:useLocalDpi xmlns:a14="http://schemas.microsoft.com/office/drawing/2010/main" val="0"/>
+              </a:ext>
+            </a:extLst>
+          </a:blip>
+          <a:stretch>
+            <a:fillRect/>
+          </a:stretch>
+        </p:blipFill>
+        <p:spPr>
+          <a:xfrm>
+            <a:off x="2708515" y="1225220"/>
+            <a:ext cx="6343650" cy="5114925"/>
+          </a:xfrm>
+          <a:prstGeom prst="rect">
+            <a:avLst/>
+          </a:prstGeom>
+        </p:spPr>
+      </p:pic>
+    </p:spTree>
+    <p:extLst>
+      <p:ext uri="{BB962C8B-B14F-4D97-AF65-F5344CB8AC3E}">
+        <p14:creationId xmlns:p14="http://schemas.microsoft.com/office/powerpoint/2010/main" val="1942150172"/>
       </p:ext>
     </p:extLst>
   </p:cSld>

--- a/docs/应用建模.pptx
+++ b/docs/应用建模.pptx
@@ -5,7 +5,7 @@
     <p:sldMasterId id="2147483648" r:id="rId1"/>
   </p:sldMasterIdLst>
   <p:notesMasterIdLst>
-    <p:notesMasterId r:id="rId21"/>
+    <p:notesMasterId r:id="rId18"/>
   </p:notesMasterIdLst>
   <p:sldIdLst>
     <p:sldId id="279" r:id="rId2"/>
@@ -24,9 +24,6 @@
     <p:sldId id="292" r:id="rId15"/>
     <p:sldId id="263" r:id="rId16"/>
     <p:sldId id="278" r:id="rId17"/>
-    <p:sldId id="293" r:id="rId18"/>
-    <p:sldId id="294" r:id="rId19"/>
-    <p:sldId id="295" r:id="rId20"/>
   </p:sldIdLst>
   <p:sldSz cx="12192000" cy="6858000"/>
   <p:notesSz cx="6858000" cy="9144000"/>
@@ -6342,8 +6339,8 @@
         </p:blipFill>
         <p:spPr>
           <a:xfrm>
-            <a:off x="2579587" y="1195854"/>
-            <a:ext cx="6657146" cy="5325716"/>
+            <a:off x="2706898" y="1225239"/>
+            <a:ext cx="6437103" cy="5149682"/>
           </a:xfrm>
           <a:prstGeom prst="rect">
             <a:avLst/>
@@ -6354,777 +6351,6 @@
     <p:extLst>
       <p:ext uri="{BB962C8B-B14F-4D97-AF65-F5344CB8AC3E}">
         <p14:creationId xmlns:p14="http://schemas.microsoft.com/office/powerpoint/2010/main" val="2221975425"/>
-      </p:ext>
-    </p:extLst>
-  </p:cSld>
-  <p:clrMapOvr>
-    <a:masterClrMapping/>
-  </p:clrMapOvr>
-  <p:transition spd="slow">
-    <p:wipe/>
-  </p:transition>
-</p:sld>
-</file>
-
-<file path=ppt/slides/slide17.xml><?xml version="1.0" encoding="utf-8"?>
-<p:sld xmlns:a="http://schemas.openxmlformats.org/drawingml/2006/main" xmlns:r="http://schemas.openxmlformats.org/officeDocument/2006/relationships" xmlns:p="http://schemas.openxmlformats.org/presentationml/2006/main">
-  <p:cSld>
-    <p:spTree>
-      <p:nvGrpSpPr>
-        <p:cNvPr id="1" name=""/>
-        <p:cNvGrpSpPr/>
-        <p:nvPr/>
-      </p:nvGrpSpPr>
-      <p:grpSpPr>
-        <a:xfrm>
-          <a:off x="0" y="0"/>
-          <a:ext cx="0" cy="0"/>
-          <a:chOff x="0" y="0"/>
-          <a:chExt cx="0" cy="0"/>
-        </a:xfrm>
-      </p:grpSpPr>
-      <p:grpSp>
-        <p:nvGrpSpPr>
-          <p:cNvPr id="5" name="组合 4"/>
-          <p:cNvGrpSpPr/>
-          <p:nvPr/>
-        </p:nvGrpSpPr>
-        <p:grpSpPr>
-          <a:xfrm>
-            <a:off x="11063181" y="0"/>
-            <a:ext cx="1128819" cy="1057472"/>
-            <a:chOff x="11063181" y="0"/>
-            <a:chExt cx="1128819" cy="1057472"/>
-          </a:xfrm>
-        </p:grpSpPr>
-        <p:sp>
-          <p:nvSpPr>
-            <p:cNvPr id="6" name="矩形 5"/>
-            <p:cNvSpPr/>
-            <p:nvPr/>
-          </p:nvSpPr>
-          <p:spPr>
-            <a:xfrm>
-              <a:off x="11381387" y="246204"/>
-              <a:ext cx="492407" cy="492407"/>
-            </a:xfrm>
-            <a:prstGeom prst="rect">
-              <a:avLst/>
-            </a:prstGeom>
-            <a:noFill/>
-            <a:ln w="38100">
-              <a:solidFill>
-                <a:srgbClr val="DA2B89"/>
-              </a:solidFill>
-            </a:ln>
-          </p:spPr>
-          <p:style>
-            <a:lnRef idx="2">
-              <a:schemeClr val="accent1">
-                <a:shade val="50000"/>
-              </a:schemeClr>
-            </a:lnRef>
-            <a:fillRef idx="1">
-              <a:schemeClr val="accent1"/>
-            </a:fillRef>
-            <a:effectRef idx="0">
-              <a:schemeClr val="accent1"/>
-            </a:effectRef>
-            <a:fontRef idx="minor">
-              <a:schemeClr val="lt1"/>
-            </a:fontRef>
-          </p:style>
-          <p:txBody>
-            <a:bodyPr rtlCol="0" anchor="ctr"/>
-            <a:lstStyle/>
-            <a:p>
-              <a:pPr algn="ctr"/>
-              <a:endParaRPr lang="zh-CN" altLang="en-US"/>
-            </a:p>
-          </p:txBody>
-        </p:sp>
-        <p:sp>
-          <p:nvSpPr>
-            <p:cNvPr id="7" name="矩形 6"/>
-            <p:cNvSpPr/>
-            <p:nvPr/>
-          </p:nvSpPr>
-          <p:spPr>
-            <a:xfrm>
-              <a:off x="11699593" y="0"/>
-              <a:ext cx="492407" cy="492407"/>
-            </a:xfrm>
-            <a:prstGeom prst="rect">
-              <a:avLst/>
-            </a:prstGeom>
-            <a:noFill/>
-            <a:ln w="38100">
-              <a:solidFill>
-                <a:schemeClr val="tx2">
-                  <a:lumMod val="60000"/>
-                  <a:lumOff val="40000"/>
-                </a:schemeClr>
-              </a:solidFill>
-            </a:ln>
-          </p:spPr>
-          <p:style>
-            <a:lnRef idx="2">
-              <a:schemeClr val="accent1">
-                <a:shade val="50000"/>
-              </a:schemeClr>
-            </a:lnRef>
-            <a:fillRef idx="1">
-              <a:schemeClr val="accent1"/>
-            </a:fillRef>
-            <a:effectRef idx="0">
-              <a:schemeClr val="accent1"/>
-            </a:effectRef>
-            <a:fontRef idx="minor">
-              <a:schemeClr val="lt1"/>
-            </a:fontRef>
-          </p:style>
-          <p:txBody>
-            <a:bodyPr rtlCol="0" anchor="ctr"/>
-            <a:lstStyle/>
-            <a:p>
-              <a:pPr algn="ctr"/>
-              <a:endParaRPr lang="zh-CN" altLang="en-US"/>
-            </a:p>
-          </p:txBody>
-        </p:sp>
-        <p:sp>
-          <p:nvSpPr>
-            <p:cNvPr id="9" name="矩形 8"/>
-            <p:cNvSpPr/>
-            <p:nvPr/>
-          </p:nvSpPr>
-          <p:spPr>
-            <a:xfrm>
-              <a:off x="11063181" y="565065"/>
-              <a:ext cx="492407" cy="492407"/>
-            </a:xfrm>
-            <a:prstGeom prst="rect">
-              <a:avLst/>
-            </a:prstGeom>
-            <a:noFill/>
-            <a:ln w="38100">
-              <a:solidFill>
-                <a:schemeClr val="accent6"/>
-              </a:solidFill>
-            </a:ln>
-          </p:spPr>
-          <p:style>
-            <a:lnRef idx="2">
-              <a:schemeClr val="accent1">
-                <a:shade val="50000"/>
-              </a:schemeClr>
-            </a:lnRef>
-            <a:fillRef idx="1">
-              <a:schemeClr val="accent1"/>
-            </a:fillRef>
-            <a:effectRef idx="0">
-              <a:schemeClr val="accent1"/>
-            </a:effectRef>
-            <a:fontRef idx="minor">
-              <a:schemeClr val="lt1"/>
-            </a:fontRef>
-          </p:style>
-          <p:txBody>
-            <a:bodyPr rtlCol="0" anchor="ctr"/>
-            <a:lstStyle/>
-            <a:p>
-              <a:pPr algn="ctr"/>
-              <a:endParaRPr lang="zh-CN" altLang="en-US"/>
-            </a:p>
-          </p:txBody>
-        </p:sp>
-      </p:grpSp>
-      <p:sp>
-        <p:nvSpPr>
-          <p:cNvPr id="12" name="文本框 11"/>
-          <p:cNvSpPr txBox="1"/>
-          <p:nvPr/>
-        </p:nvSpPr>
-        <p:spPr>
-          <a:xfrm>
-            <a:off x="2579587" y="349586"/>
-            <a:ext cx="6302207" cy="707886"/>
-          </a:xfrm>
-          <a:prstGeom prst="rect">
-            <a:avLst/>
-          </a:prstGeom>
-          <a:noFill/>
-        </p:spPr>
-        <p:txBody>
-          <a:bodyPr wrap="square" rtlCol="0">
-            <a:spAutoFit/>
-          </a:bodyPr>
-          <a:lstStyle/>
-          <a:p>
-            <a:r>
-              <a:rPr lang="zh-CN" altLang="en-US" sz="4000" b="1" dirty="0" smtClean="0">
-                <a:solidFill>
-                  <a:schemeClr val="bg1"/>
-                </a:solidFill>
-              </a:rPr>
-              <a:t>美食详情：</a:t>
-            </a:r>
-            <a:endParaRPr lang="zh-CN" altLang="en-US" sz="4000" b="1" dirty="0">
-              <a:solidFill>
-                <a:schemeClr val="bg1"/>
-              </a:solidFill>
-            </a:endParaRPr>
-          </a:p>
-        </p:txBody>
-      </p:sp>
-      <p:pic>
-        <p:nvPicPr>
-          <p:cNvPr id="3" name="图片 2"/>
-          <p:cNvPicPr>
-            <a:picLocks noChangeAspect="1"/>
-          </p:cNvPicPr>
-          <p:nvPr/>
-        </p:nvPicPr>
-        <p:blipFill>
-          <a:blip r:embed="rId2">
-            <a:extLst>
-              <a:ext uri="{28A0092B-C50C-407E-A947-70E740481C1C}">
-                <a14:useLocalDpi xmlns:a14="http://schemas.microsoft.com/office/drawing/2010/main" val="0"/>
-              </a:ext>
-            </a:extLst>
-          </a:blip>
-          <a:stretch>
-            <a:fillRect/>
-          </a:stretch>
-        </p:blipFill>
-        <p:spPr>
-          <a:xfrm>
-            <a:off x="3252034" y="1057472"/>
-            <a:ext cx="4586371" cy="5531233"/>
-          </a:xfrm>
-          <a:prstGeom prst="rect">
-            <a:avLst/>
-          </a:prstGeom>
-        </p:spPr>
-      </p:pic>
-    </p:spTree>
-    <p:extLst>
-      <p:ext uri="{BB962C8B-B14F-4D97-AF65-F5344CB8AC3E}">
-        <p14:creationId xmlns:p14="http://schemas.microsoft.com/office/powerpoint/2010/main" val="2118153949"/>
-      </p:ext>
-    </p:extLst>
-  </p:cSld>
-  <p:clrMapOvr>
-    <a:masterClrMapping/>
-  </p:clrMapOvr>
-  <p:transition spd="slow">
-    <p:wipe/>
-  </p:transition>
-</p:sld>
-</file>
-
-<file path=ppt/slides/slide18.xml><?xml version="1.0" encoding="utf-8"?>
-<p:sld xmlns:a="http://schemas.openxmlformats.org/drawingml/2006/main" xmlns:r="http://schemas.openxmlformats.org/officeDocument/2006/relationships" xmlns:p="http://schemas.openxmlformats.org/presentationml/2006/main">
-  <p:cSld>
-    <p:spTree>
-      <p:nvGrpSpPr>
-        <p:cNvPr id="1" name=""/>
-        <p:cNvGrpSpPr/>
-        <p:nvPr/>
-      </p:nvGrpSpPr>
-      <p:grpSpPr>
-        <a:xfrm>
-          <a:off x="0" y="0"/>
-          <a:ext cx="0" cy="0"/>
-          <a:chOff x="0" y="0"/>
-          <a:chExt cx="0" cy="0"/>
-        </a:xfrm>
-      </p:grpSpPr>
-      <p:grpSp>
-        <p:nvGrpSpPr>
-          <p:cNvPr id="5" name="组合 4"/>
-          <p:cNvGrpSpPr/>
-          <p:nvPr/>
-        </p:nvGrpSpPr>
-        <p:grpSpPr>
-          <a:xfrm>
-            <a:off x="11063181" y="0"/>
-            <a:ext cx="1128819" cy="1057472"/>
-            <a:chOff x="11063181" y="0"/>
-            <a:chExt cx="1128819" cy="1057472"/>
-          </a:xfrm>
-        </p:grpSpPr>
-        <p:sp>
-          <p:nvSpPr>
-            <p:cNvPr id="6" name="矩形 5"/>
-            <p:cNvSpPr/>
-            <p:nvPr/>
-          </p:nvSpPr>
-          <p:spPr>
-            <a:xfrm>
-              <a:off x="11381387" y="246204"/>
-              <a:ext cx="492407" cy="492407"/>
-            </a:xfrm>
-            <a:prstGeom prst="rect">
-              <a:avLst/>
-            </a:prstGeom>
-            <a:noFill/>
-            <a:ln w="38100">
-              <a:solidFill>
-                <a:srgbClr val="DA2B89"/>
-              </a:solidFill>
-            </a:ln>
-          </p:spPr>
-          <p:style>
-            <a:lnRef idx="2">
-              <a:schemeClr val="accent1">
-                <a:shade val="50000"/>
-              </a:schemeClr>
-            </a:lnRef>
-            <a:fillRef idx="1">
-              <a:schemeClr val="accent1"/>
-            </a:fillRef>
-            <a:effectRef idx="0">
-              <a:schemeClr val="accent1"/>
-            </a:effectRef>
-            <a:fontRef idx="minor">
-              <a:schemeClr val="lt1"/>
-            </a:fontRef>
-          </p:style>
-          <p:txBody>
-            <a:bodyPr rtlCol="0" anchor="ctr"/>
-            <a:lstStyle/>
-            <a:p>
-              <a:pPr algn="ctr"/>
-              <a:endParaRPr lang="zh-CN" altLang="en-US"/>
-            </a:p>
-          </p:txBody>
-        </p:sp>
-        <p:sp>
-          <p:nvSpPr>
-            <p:cNvPr id="7" name="矩形 6"/>
-            <p:cNvSpPr/>
-            <p:nvPr/>
-          </p:nvSpPr>
-          <p:spPr>
-            <a:xfrm>
-              <a:off x="11699593" y="0"/>
-              <a:ext cx="492407" cy="492407"/>
-            </a:xfrm>
-            <a:prstGeom prst="rect">
-              <a:avLst/>
-            </a:prstGeom>
-            <a:noFill/>
-            <a:ln w="38100">
-              <a:solidFill>
-                <a:schemeClr val="tx2">
-                  <a:lumMod val="60000"/>
-                  <a:lumOff val="40000"/>
-                </a:schemeClr>
-              </a:solidFill>
-            </a:ln>
-          </p:spPr>
-          <p:style>
-            <a:lnRef idx="2">
-              <a:schemeClr val="accent1">
-                <a:shade val="50000"/>
-              </a:schemeClr>
-            </a:lnRef>
-            <a:fillRef idx="1">
-              <a:schemeClr val="accent1"/>
-            </a:fillRef>
-            <a:effectRef idx="0">
-              <a:schemeClr val="accent1"/>
-            </a:effectRef>
-            <a:fontRef idx="minor">
-              <a:schemeClr val="lt1"/>
-            </a:fontRef>
-          </p:style>
-          <p:txBody>
-            <a:bodyPr rtlCol="0" anchor="ctr"/>
-            <a:lstStyle/>
-            <a:p>
-              <a:pPr algn="ctr"/>
-              <a:endParaRPr lang="zh-CN" altLang="en-US"/>
-            </a:p>
-          </p:txBody>
-        </p:sp>
-        <p:sp>
-          <p:nvSpPr>
-            <p:cNvPr id="9" name="矩形 8"/>
-            <p:cNvSpPr/>
-            <p:nvPr/>
-          </p:nvSpPr>
-          <p:spPr>
-            <a:xfrm>
-              <a:off x="11063181" y="565065"/>
-              <a:ext cx="492407" cy="492407"/>
-            </a:xfrm>
-            <a:prstGeom prst="rect">
-              <a:avLst/>
-            </a:prstGeom>
-            <a:noFill/>
-            <a:ln w="38100">
-              <a:solidFill>
-                <a:schemeClr val="accent6"/>
-              </a:solidFill>
-            </a:ln>
-          </p:spPr>
-          <p:style>
-            <a:lnRef idx="2">
-              <a:schemeClr val="accent1">
-                <a:shade val="50000"/>
-              </a:schemeClr>
-            </a:lnRef>
-            <a:fillRef idx="1">
-              <a:schemeClr val="accent1"/>
-            </a:fillRef>
-            <a:effectRef idx="0">
-              <a:schemeClr val="accent1"/>
-            </a:effectRef>
-            <a:fontRef idx="minor">
-              <a:schemeClr val="lt1"/>
-            </a:fontRef>
-          </p:style>
-          <p:txBody>
-            <a:bodyPr rtlCol="0" anchor="ctr"/>
-            <a:lstStyle/>
-            <a:p>
-              <a:pPr algn="ctr"/>
-              <a:endParaRPr lang="zh-CN" altLang="en-US"/>
-            </a:p>
-          </p:txBody>
-        </p:sp>
-      </p:grpSp>
-      <p:sp>
-        <p:nvSpPr>
-          <p:cNvPr id="12" name="文本框 11"/>
-          <p:cNvSpPr txBox="1"/>
-          <p:nvPr/>
-        </p:nvSpPr>
-        <p:spPr>
-          <a:xfrm>
-            <a:off x="2579587" y="349586"/>
-            <a:ext cx="6302207" cy="707886"/>
-          </a:xfrm>
-          <a:prstGeom prst="rect">
-            <a:avLst/>
-          </a:prstGeom>
-          <a:noFill/>
-        </p:spPr>
-        <p:txBody>
-          <a:bodyPr wrap="square" rtlCol="0">
-            <a:spAutoFit/>
-          </a:bodyPr>
-          <a:lstStyle/>
-          <a:p>
-            <a:r>
-              <a:rPr lang="zh-CN" altLang="en-US" sz="4000" b="1" dirty="0" smtClean="0">
-                <a:solidFill>
-                  <a:schemeClr val="bg1"/>
-                </a:solidFill>
-              </a:rPr>
-              <a:t>景点详情：</a:t>
-            </a:r>
-            <a:endParaRPr lang="zh-CN" altLang="en-US" sz="4000" b="1" dirty="0">
-              <a:solidFill>
-                <a:schemeClr val="bg1"/>
-              </a:solidFill>
-            </a:endParaRPr>
-          </a:p>
-        </p:txBody>
-      </p:sp>
-      <p:pic>
-        <p:nvPicPr>
-          <p:cNvPr id="2" name="图片 1"/>
-          <p:cNvPicPr>
-            <a:picLocks noChangeAspect="1"/>
-          </p:cNvPicPr>
-          <p:nvPr/>
-        </p:nvPicPr>
-        <p:blipFill>
-          <a:blip r:embed="rId2">
-            <a:extLst>
-              <a:ext uri="{28A0092B-C50C-407E-A947-70E740481C1C}">
-                <a14:useLocalDpi xmlns:a14="http://schemas.microsoft.com/office/drawing/2010/main" val="0"/>
-              </a:ext>
-            </a:extLst>
-          </a:blip>
-          <a:stretch>
-            <a:fillRect/>
-          </a:stretch>
-        </p:blipFill>
-        <p:spPr>
-          <a:xfrm>
-            <a:off x="3245527" y="1057472"/>
-            <a:ext cx="4590709" cy="5515754"/>
-          </a:xfrm>
-          <a:prstGeom prst="rect">
-            <a:avLst/>
-          </a:prstGeom>
-        </p:spPr>
-      </p:pic>
-    </p:spTree>
-    <p:extLst>
-      <p:ext uri="{BB962C8B-B14F-4D97-AF65-F5344CB8AC3E}">
-        <p14:creationId xmlns:p14="http://schemas.microsoft.com/office/powerpoint/2010/main" val="1254519066"/>
-      </p:ext>
-    </p:extLst>
-  </p:cSld>
-  <p:clrMapOvr>
-    <a:masterClrMapping/>
-  </p:clrMapOvr>
-  <p:transition spd="slow">
-    <p:wipe/>
-  </p:transition>
-</p:sld>
-</file>
-
-<file path=ppt/slides/slide19.xml><?xml version="1.0" encoding="utf-8"?>
-<p:sld xmlns:a="http://schemas.openxmlformats.org/drawingml/2006/main" xmlns:r="http://schemas.openxmlformats.org/officeDocument/2006/relationships" xmlns:p="http://schemas.openxmlformats.org/presentationml/2006/main">
-  <p:cSld>
-    <p:spTree>
-      <p:nvGrpSpPr>
-        <p:cNvPr id="1" name=""/>
-        <p:cNvGrpSpPr/>
-        <p:nvPr/>
-      </p:nvGrpSpPr>
-      <p:grpSpPr>
-        <a:xfrm>
-          <a:off x="0" y="0"/>
-          <a:ext cx="0" cy="0"/>
-          <a:chOff x="0" y="0"/>
-          <a:chExt cx="0" cy="0"/>
-        </a:xfrm>
-      </p:grpSpPr>
-      <p:grpSp>
-        <p:nvGrpSpPr>
-          <p:cNvPr id="5" name="组合 4"/>
-          <p:cNvGrpSpPr/>
-          <p:nvPr/>
-        </p:nvGrpSpPr>
-        <p:grpSpPr>
-          <a:xfrm>
-            <a:off x="11063181" y="0"/>
-            <a:ext cx="1128819" cy="1057472"/>
-            <a:chOff x="11063181" y="0"/>
-            <a:chExt cx="1128819" cy="1057472"/>
-          </a:xfrm>
-        </p:grpSpPr>
-        <p:sp>
-          <p:nvSpPr>
-            <p:cNvPr id="6" name="矩形 5"/>
-            <p:cNvSpPr/>
-            <p:nvPr/>
-          </p:nvSpPr>
-          <p:spPr>
-            <a:xfrm>
-              <a:off x="11381387" y="246204"/>
-              <a:ext cx="492407" cy="492407"/>
-            </a:xfrm>
-            <a:prstGeom prst="rect">
-              <a:avLst/>
-            </a:prstGeom>
-            <a:noFill/>
-            <a:ln w="38100">
-              <a:solidFill>
-                <a:srgbClr val="DA2B89"/>
-              </a:solidFill>
-            </a:ln>
-          </p:spPr>
-          <p:style>
-            <a:lnRef idx="2">
-              <a:schemeClr val="accent1">
-                <a:shade val="50000"/>
-              </a:schemeClr>
-            </a:lnRef>
-            <a:fillRef idx="1">
-              <a:schemeClr val="accent1"/>
-            </a:fillRef>
-            <a:effectRef idx="0">
-              <a:schemeClr val="accent1"/>
-            </a:effectRef>
-            <a:fontRef idx="minor">
-              <a:schemeClr val="lt1"/>
-            </a:fontRef>
-          </p:style>
-          <p:txBody>
-            <a:bodyPr rtlCol="0" anchor="ctr"/>
-            <a:lstStyle/>
-            <a:p>
-              <a:pPr algn="ctr"/>
-              <a:endParaRPr lang="zh-CN" altLang="en-US"/>
-            </a:p>
-          </p:txBody>
-        </p:sp>
-        <p:sp>
-          <p:nvSpPr>
-            <p:cNvPr id="7" name="矩形 6"/>
-            <p:cNvSpPr/>
-            <p:nvPr/>
-          </p:nvSpPr>
-          <p:spPr>
-            <a:xfrm>
-              <a:off x="11699593" y="0"/>
-              <a:ext cx="492407" cy="492407"/>
-            </a:xfrm>
-            <a:prstGeom prst="rect">
-              <a:avLst/>
-            </a:prstGeom>
-            <a:noFill/>
-            <a:ln w="38100">
-              <a:solidFill>
-                <a:schemeClr val="tx2">
-                  <a:lumMod val="60000"/>
-                  <a:lumOff val="40000"/>
-                </a:schemeClr>
-              </a:solidFill>
-            </a:ln>
-          </p:spPr>
-          <p:style>
-            <a:lnRef idx="2">
-              <a:schemeClr val="accent1">
-                <a:shade val="50000"/>
-              </a:schemeClr>
-            </a:lnRef>
-            <a:fillRef idx="1">
-              <a:schemeClr val="accent1"/>
-            </a:fillRef>
-            <a:effectRef idx="0">
-              <a:schemeClr val="accent1"/>
-            </a:effectRef>
-            <a:fontRef idx="minor">
-              <a:schemeClr val="lt1"/>
-            </a:fontRef>
-          </p:style>
-          <p:txBody>
-            <a:bodyPr rtlCol="0" anchor="ctr"/>
-            <a:lstStyle/>
-            <a:p>
-              <a:pPr algn="ctr"/>
-              <a:endParaRPr lang="zh-CN" altLang="en-US"/>
-            </a:p>
-          </p:txBody>
-        </p:sp>
-        <p:sp>
-          <p:nvSpPr>
-            <p:cNvPr id="9" name="矩形 8"/>
-            <p:cNvSpPr/>
-            <p:nvPr/>
-          </p:nvSpPr>
-          <p:spPr>
-            <a:xfrm>
-              <a:off x="11063181" y="565065"/>
-              <a:ext cx="492407" cy="492407"/>
-            </a:xfrm>
-            <a:prstGeom prst="rect">
-              <a:avLst/>
-            </a:prstGeom>
-            <a:noFill/>
-            <a:ln w="38100">
-              <a:solidFill>
-                <a:schemeClr val="accent6"/>
-              </a:solidFill>
-            </a:ln>
-          </p:spPr>
-          <p:style>
-            <a:lnRef idx="2">
-              <a:schemeClr val="accent1">
-                <a:shade val="50000"/>
-              </a:schemeClr>
-            </a:lnRef>
-            <a:fillRef idx="1">
-              <a:schemeClr val="accent1"/>
-            </a:fillRef>
-            <a:effectRef idx="0">
-              <a:schemeClr val="accent1"/>
-            </a:effectRef>
-            <a:fontRef idx="minor">
-              <a:schemeClr val="lt1"/>
-            </a:fontRef>
-          </p:style>
-          <p:txBody>
-            <a:bodyPr rtlCol="0" anchor="ctr"/>
-            <a:lstStyle/>
-            <a:p>
-              <a:pPr algn="ctr"/>
-              <a:endParaRPr lang="zh-CN" altLang="en-US"/>
-            </a:p>
-          </p:txBody>
-        </p:sp>
-      </p:grpSp>
-      <p:sp>
-        <p:nvSpPr>
-          <p:cNvPr id="12" name="文本框 11"/>
-          <p:cNvSpPr txBox="1"/>
-          <p:nvPr/>
-        </p:nvSpPr>
-        <p:spPr>
-          <a:xfrm>
-            <a:off x="2579587" y="349586"/>
-            <a:ext cx="6302207" cy="707886"/>
-          </a:xfrm>
-          <a:prstGeom prst="rect">
-            <a:avLst/>
-          </a:prstGeom>
-          <a:noFill/>
-        </p:spPr>
-        <p:txBody>
-          <a:bodyPr wrap="square" rtlCol="0">
-            <a:spAutoFit/>
-          </a:bodyPr>
-          <a:lstStyle/>
-          <a:p>
-            <a:r>
-              <a:rPr lang="zh-CN" altLang="en-US" sz="4000" b="1" dirty="0" smtClean="0">
-                <a:solidFill>
-                  <a:schemeClr val="bg1"/>
-                </a:solidFill>
-              </a:rPr>
-              <a:t>个人推荐：</a:t>
-            </a:r>
-            <a:endParaRPr lang="zh-CN" altLang="en-US" sz="4000" b="1" dirty="0">
-              <a:solidFill>
-                <a:schemeClr val="bg1"/>
-              </a:solidFill>
-            </a:endParaRPr>
-          </a:p>
-        </p:txBody>
-      </p:sp>
-      <p:pic>
-        <p:nvPicPr>
-          <p:cNvPr id="3" name="图片 2"/>
-          <p:cNvPicPr>
-            <a:picLocks noChangeAspect="1"/>
-          </p:cNvPicPr>
-          <p:nvPr/>
-        </p:nvPicPr>
-        <p:blipFill>
-          <a:blip r:embed="rId2">
-            <a:extLst>
-              <a:ext uri="{28A0092B-C50C-407E-A947-70E740481C1C}">
-                <a14:useLocalDpi xmlns:a14="http://schemas.microsoft.com/office/drawing/2010/main" val="0"/>
-              </a:ext>
-            </a:extLst>
-          </a:blip>
-          <a:stretch>
-            <a:fillRect/>
-          </a:stretch>
-        </p:blipFill>
-        <p:spPr>
-          <a:xfrm>
-            <a:off x="2708515" y="1225220"/>
-            <a:ext cx="6343650" cy="5114925"/>
-          </a:xfrm>
-          <a:prstGeom prst="rect">
-            <a:avLst/>
-          </a:prstGeom>
-        </p:spPr>
-      </p:pic>
-    </p:spTree>
-    <p:extLst>
-      <p:ext uri="{BB962C8B-B14F-4D97-AF65-F5344CB8AC3E}">
-        <p14:creationId xmlns:p14="http://schemas.microsoft.com/office/powerpoint/2010/main" val="1942150172"/>
       </p:ext>
     </p:extLst>
   </p:cSld>
